--- a/Business Plan.pptx
+++ b/Business Plan.pptx
@@ -259,7 +259,7 @@
           <a:p>
             <a:fld id="{E2917DF1-60C6-456C-8419-3433D0B44653}" type="datetimeFigureOut">
               <a:rPr lang="en-US" smtClean="0"/>
-              <a:t>10/12/2023</a:t>
+              <a:t>1/24/2024</a:t>
             </a:fld>
             <a:endParaRPr lang="en-US"/>
           </a:p>
@@ -457,7 +457,7 @@
           <a:p>
             <a:fld id="{E2917DF1-60C6-456C-8419-3433D0B44653}" type="datetimeFigureOut">
               <a:rPr lang="en-US" smtClean="0"/>
-              <a:t>10/12/2023</a:t>
+              <a:t>1/24/2024</a:t>
             </a:fld>
             <a:endParaRPr lang="en-US"/>
           </a:p>
@@ -665,7 +665,7 @@
           <a:p>
             <a:fld id="{E2917DF1-60C6-456C-8419-3433D0B44653}" type="datetimeFigureOut">
               <a:rPr lang="en-US" smtClean="0"/>
-              <a:t>10/12/2023</a:t>
+              <a:t>1/24/2024</a:t>
             </a:fld>
             <a:endParaRPr lang="en-US"/>
           </a:p>
@@ -863,7 +863,7 @@
           <a:p>
             <a:fld id="{E2917DF1-60C6-456C-8419-3433D0B44653}" type="datetimeFigureOut">
               <a:rPr lang="en-US" smtClean="0"/>
-              <a:t>10/12/2023</a:t>
+              <a:t>1/24/2024</a:t>
             </a:fld>
             <a:endParaRPr lang="en-US"/>
           </a:p>
@@ -1138,7 +1138,7 @@
           <a:p>
             <a:fld id="{E2917DF1-60C6-456C-8419-3433D0B44653}" type="datetimeFigureOut">
               <a:rPr lang="en-US" smtClean="0"/>
-              <a:t>10/12/2023</a:t>
+              <a:t>1/24/2024</a:t>
             </a:fld>
             <a:endParaRPr lang="en-US"/>
           </a:p>
@@ -1403,7 +1403,7 @@
           <a:p>
             <a:fld id="{E2917DF1-60C6-456C-8419-3433D0B44653}" type="datetimeFigureOut">
               <a:rPr lang="en-US" smtClean="0"/>
-              <a:t>10/12/2023</a:t>
+              <a:t>1/24/2024</a:t>
             </a:fld>
             <a:endParaRPr lang="en-US"/>
           </a:p>
@@ -1815,7 +1815,7 @@
           <a:p>
             <a:fld id="{E2917DF1-60C6-456C-8419-3433D0B44653}" type="datetimeFigureOut">
               <a:rPr lang="en-US" smtClean="0"/>
-              <a:t>10/12/2023</a:t>
+              <a:t>1/24/2024</a:t>
             </a:fld>
             <a:endParaRPr lang="en-US"/>
           </a:p>
@@ -1956,7 +1956,7 @@
           <a:p>
             <a:fld id="{E2917DF1-60C6-456C-8419-3433D0B44653}" type="datetimeFigureOut">
               <a:rPr lang="en-US" smtClean="0"/>
-              <a:t>10/12/2023</a:t>
+              <a:t>1/24/2024</a:t>
             </a:fld>
             <a:endParaRPr lang="en-US"/>
           </a:p>
@@ -2069,7 +2069,7 @@
           <a:p>
             <a:fld id="{E2917DF1-60C6-456C-8419-3433D0B44653}" type="datetimeFigureOut">
               <a:rPr lang="en-US" smtClean="0"/>
-              <a:t>10/12/2023</a:t>
+              <a:t>1/24/2024</a:t>
             </a:fld>
             <a:endParaRPr lang="en-US"/>
           </a:p>
@@ -2380,7 +2380,7 @@
           <a:p>
             <a:fld id="{E2917DF1-60C6-456C-8419-3433D0B44653}" type="datetimeFigureOut">
               <a:rPr lang="en-US" smtClean="0"/>
-              <a:t>10/12/2023</a:t>
+              <a:t>1/24/2024</a:t>
             </a:fld>
             <a:endParaRPr lang="en-US"/>
           </a:p>
@@ -2668,7 +2668,7 @@
           <a:p>
             <a:fld id="{E2917DF1-60C6-456C-8419-3433D0B44653}" type="datetimeFigureOut">
               <a:rPr lang="en-US" smtClean="0"/>
-              <a:t>10/12/2023</a:t>
+              <a:t>1/24/2024</a:t>
             </a:fld>
             <a:endParaRPr lang="en-US"/>
           </a:p>
@@ -2909,7 +2909,7 @@
           <a:p>
             <a:fld id="{E2917DF1-60C6-456C-8419-3433D0B44653}" type="datetimeFigureOut">
               <a:rPr lang="en-US" smtClean="0"/>
-              <a:t>10/12/2023</a:t>
+              <a:t>1/24/2024</a:t>
             </a:fld>
             <a:endParaRPr lang="en-US"/>
           </a:p>
@@ -3326,1040 +3326,2108 @@
           <a:chExt cx="0" cy="0"/>
         </a:xfrm>
       </p:grpSpPr>
-      <p:sp>
-        <p:nvSpPr>
-          <p:cNvPr id="2" name="Rectangle 1">
-            <a:extLst>
-              <a:ext uri="{FF2B5EF4-FFF2-40B4-BE49-F238E27FC236}">
-                <a16:creationId xmlns:a16="http://schemas.microsoft.com/office/drawing/2014/main" id="{781ACDA3-69BE-BF9B-68E4-9E48C9FA90BD}"/>
-              </a:ext>
-            </a:extLst>
-          </p:cNvPr>
-          <p:cNvSpPr/>
+      <p:grpSp>
+        <p:nvGrpSpPr>
+          <p:cNvPr id="251" name="Group 250">
+            <a:extLst>
+              <a:ext uri="{FF2B5EF4-FFF2-40B4-BE49-F238E27FC236}">
+                <a16:creationId xmlns:a16="http://schemas.microsoft.com/office/drawing/2014/main" id="{CC19EA23-5EA1-2598-CF57-6F96470A9E5A}"/>
+              </a:ext>
+            </a:extLst>
+          </p:cNvPr>
+          <p:cNvGrpSpPr/>
           <p:nvPr/>
-        </p:nvSpPr>
-        <p:spPr>
+        </p:nvGrpSpPr>
+        <p:grpSpPr>
           <a:xfrm>
-            <a:off x="2099108" y="250572"/>
-            <a:ext cx="2442047" cy="914400"/>
+            <a:off x="251773" y="273672"/>
+            <a:ext cx="11780896" cy="5959345"/>
+            <a:chOff x="251773" y="273672"/>
+            <a:chExt cx="11780896" cy="5959345"/>
           </a:xfrm>
-          <a:prstGeom prst="rect">
-            <a:avLst/>
-          </a:prstGeom>
-        </p:spPr>
-        <p:style>
-          <a:lnRef idx="2">
-            <a:schemeClr val="dk1">
-              <a:shade val="15000"/>
-            </a:schemeClr>
-          </a:lnRef>
-          <a:fillRef idx="1">
-            <a:schemeClr val="dk1"/>
-          </a:fillRef>
-          <a:effectRef idx="0">
-            <a:schemeClr val="dk1"/>
-          </a:effectRef>
-          <a:fontRef idx="minor">
-            <a:schemeClr val="lt1"/>
-          </a:fontRef>
-        </p:style>
-        <p:txBody>
-          <a:bodyPr rtlCol="0" anchor="ctr"/>
-          <a:lstStyle/>
-          <a:p>
-            <a:pPr algn="ctr"/>
-            <a:r>
-              <a:rPr lang="en-US" dirty="0"/>
-              <a:t>Teambuilding Organizer</a:t>
-            </a:r>
-            <a:br>
-              <a:rPr lang="en-US" dirty="0"/>
-            </a:br>
-            <a:r>
-              <a:rPr lang="en-US" dirty="0"/>
-              <a:t>Web App</a:t>
-            </a:r>
-          </a:p>
-        </p:txBody>
-      </p:sp>
-      <p:sp>
-        <p:nvSpPr>
-          <p:cNvPr id="5" name="Rectangle 4">
-            <a:extLst>
-              <a:ext uri="{FF2B5EF4-FFF2-40B4-BE49-F238E27FC236}">
-                <a16:creationId xmlns:a16="http://schemas.microsoft.com/office/drawing/2014/main" id="{2780E0F0-5AFD-4565-E359-E58A050DC2B8}"/>
-              </a:ext>
-            </a:extLst>
-          </p:cNvPr>
-          <p:cNvSpPr/>
-          <p:nvPr/>
-        </p:nvSpPr>
-        <p:spPr>
-          <a:xfrm>
-            <a:off x="7827391" y="250573"/>
-            <a:ext cx="2377440" cy="914400"/>
-          </a:xfrm>
-          <a:prstGeom prst="rect">
-            <a:avLst/>
-          </a:prstGeom>
-        </p:spPr>
-        <p:style>
-          <a:lnRef idx="2">
-            <a:schemeClr val="dk1">
-              <a:shade val="15000"/>
-            </a:schemeClr>
-          </a:lnRef>
-          <a:fillRef idx="1">
-            <a:schemeClr val="dk1"/>
-          </a:fillRef>
-          <a:effectRef idx="0">
-            <a:schemeClr val="dk1"/>
-          </a:effectRef>
-          <a:fontRef idx="minor">
-            <a:schemeClr val="lt1"/>
-          </a:fontRef>
-        </p:style>
-        <p:txBody>
-          <a:bodyPr rtlCol="0" anchor="ctr"/>
-          <a:lstStyle/>
-          <a:p>
-            <a:pPr algn="ctr"/>
-            <a:r>
-              <a:rPr lang="en-US" dirty="0"/>
-              <a:t>Cabin Management</a:t>
-            </a:r>
-            <a:br>
-              <a:rPr lang="en-US" dirty="0"/>
-            </a:br>
-            <a:r>
-              <a:rPr lang="en-US" dirty="0"/>
-              <a:t>Mobile first &amp; Web App</a:t>
-            </a:r>
-          </a:p>
-        </p:txBody>
-      </p:sp>
-      <p:sp>
-        <p:nvSpPr>
-          <p:cNvPr id="8" name="Flowchart: Terminator 7">
-            <a:extLst>
-              <a:ext uri="{FF2B5EF4-FFF2-40B4-BE49-F238E27FC236}">
-                <a16:creationId xmlns:a16="http://schemas.microsoft.com/office/drawing/2014/main" id="{EBB6A696-1FB7-6CF9-3459-57B76CEC2DCE}"/>
-              </a:ext>
-            </a:extLst>
-          </p:cNvPr>
-          <p:cNvSpPr/>
-          <p:nvPr/>
-        </p:nvSpPr>
-        <p:spPr>
-          <a:xfrm>
-            <a:off x="393825" y="1815483"/>
-            <a:ext cx="1695636" cy="692459"/>
-          </a:xfrm>
-          <a:prstGeom prst="flowChartTerminator">
-            <a:avLst/>
-          </a:prstGeom>
-        </p:spPr>
-        <p:style>
-          <a:lnRef idx="2">
-            <a:schemeClr val="accent6">
-              <a:shade val="15000"/>
-            </a:schemeClr>
-          </a:lnRef>
-          <a:fillRef idx="1">
-            <a:schemeClr val="accent6"/>
-          </a:fillRef>
-          <a:effectRef idx="0">
-            <a:schemeClr val="accent6"/>
-          </a:effectRef>
-          <a:fontRef idx="minor">
-            <a:schemeClr val="lt1"/>
-          </a:fontRef>
-        </p:style>
-        <p:txBody>
-          <a:bodyPr rtlCol="0" anchor="ctr"/>
-          <a:lstStyle/>
-          <a:p>
-            <a:pPr algn="ctr"/>
-            <a:r>
-              <a:rPr lang="en-US" dirty="0"/>
-              <a:t>EVENTS</a:t>
-            </a:r>
-          </a:p>
-        </p:txBody>
-      </p:sp>
-      <p:sp>
-        <p:nvSpPr>
-          <p:cNvPr id="14" name="Flowchart: Terminator 13">
-            <a:extLst>
-              <a:ext uri="{FF2B5EF4-FFF2-40B4-BE49-F238E27FC236}">
-                <a16:creationId xmlns:a16="http://schemas.microsoft.com/office/drawing/2014/main" id="{D055AB93-0667-867F-7BBB-BAEBB2D277D3}"/>
-              </a:ext>
-            </a:extLst>
-          </p:cNvPr>
-          <p:cNvSpPr/>
-          <p:nvPr/>
-        </p:nvSpPr>
-        <p:spPr>
-          <a:xfrm>
-            <a:off x="393825" y="3016187"/>
-            <a:ext cx="1695636" cy="692459"/>
-          </a:xfrm>
-          <a:prstGeom prst="flowChartTerminator">
-            <a:avLst/>
-          </a:prstGeom>
-        </p:spPr>
-        <p:style>
-          <a:lnRef idx="2">
-            <a:schemeClr val="accent6">
-              <a:shade val="15000"/>
-            </a:schemeClr>
-          </a:lnRef>
-          <a:fillRef idx="1">
-            <a:schemeClr val="accent6"/>
-          </a:fillRef>
-          <a:effectRef idx="0">
-            <a:schemeClr val="accent6"/>
-          </a:effectRef>
-          <a:fontRef idx="minor">
-            <a:schemeClr val="lt1"/>
-          </a:fontRef>
-        </p:style>
-        <p:txBody>
-          <a:bodyPr rtlCol="0" anchor="ctr"/>
-          <a:lstStyle/>
-          <a:p>
-            <a:pPr algn="ctr"/>
-            <a:r>
-              <a:rPr lang="en-US" dirty="0"/>
-              <a:t>Teambuilding</a:t>
-            </a:r>
-          </a:p>
-        </p:txBody>
-      </p:sp>
-      <p:sp>
-        <p:nvSpPr>
-          <p:cNvPr id="15" name="Flowchart: Terminator 14">
-            <a:extLst>
-              <a:ext uri="{FF2B5EF4-FFF2-40B4-BE49-F238E27FC236}">
-                <a16:creationId xmlns:a16="http://schemas.microsoft.com/office/drawing/2014/main" id="{CF83678A-8522-25D6-F9C8-5AD84730D616}"/>
-              </a:ext>
-            </a:extLst>
-          </p:cNvPr>
-          <p:cNvSpPr/>
-          <p:nvPr/>
-        </p:nvSpPr>
-        <p:spPr>
-          <a:xfrm>
-            <a:off x="2333561" y="3016187"/>
-            <a:ext cx="1695636" cy="692459"/>
-          </a:xfrm>
-          <a:prstGeom prst="flowChartTerminator">
-            <a:avLst/>
-          </a:prstGeom>
-        </p:spPr>
-        <p:style>
-          <a:lnRef idx="2">
-            <a:schemeClr val="accent6">
-              <a:shade val="15000"/>
-            </a:schemeClr>
-          </a:lnRef>
-          <a:fillRef idx="1">
-            <a:schemeClr val="accent6"/>
-          </a:fillRef>
-          <a:effectRef idx="0">
-            <a:schemeClr val="accent6"/>
-          </a:effectRef>
-          <a:fontRef idx="minor">
-            <a:schemeClr val="lt1"/>
-          </a:fontRef>
-        </p:style>
-        <p:txBody>
-          <a:bodyPr rtlCol="0" anchor="ctr"/>
-          <a:lstStyle/>
-          <a:p>
-            <a:pPr algn="ctr"/>
-            <a:r>
-              <a:rPr lang="en-US" dirty="0"/>
-              <a:t>Friends</a:t>
-            </a:r>
-          </a:p>
-        </p:txBody>
-      </p:sp>
-      <p:cxnSp>
-        <p:nvCxnSpPr>
-          <p:cNvPr id="16" name="Straight Arrow Connector 15">
-            <a:extLst>
-              <a:ext uri="{FF2B5EF4-FFF2-40B4-BE49-F238E27FC236}">
-                <a16:creationId xmlns:a16="http://schemas.microsoft.com/office/drawing/2014/main" id="{0918D223-2BAE-4B1D-0AD2-2575841213E6}"/>
-              </a:ext>
-            </a:extLst>
-          </p:cNvPr>
-          <p:cNvCxnSpPr>
-            <a:cxnSpLocks/>
-            <a:stCxn id="8" idx="2"/>
-            <a:endCxn id="14" idx="0"/>
-          </p:cNvCxnSpPr>
-          <p:nvPr/>
-        </p:nvCxnSpPr>
-        <p:spPr>
-          <a:xfrm>
-            <a:off x="1241643" y="2507942"/>
-            <a:ext cx="0" cy="508245"/>
-          </a:xfrm>
-          <a:prstGeom prst="straightConnector1">
-            <a:avLst/>
-          </a:prstGeom>
-          <a:ln w="76200">
-            <a:solidFill>
+        </p:grpSpPr>
+        <p:grpSp>
+          <p:nvGrpSpPr>
+            <p:cNvPr id="201" name="Group 200">
+              <a:extLst>
+                <a:ext uri="{FF2B5EF4-FFF2-40B4-BE49-F238E27FC236}">
+                  <a16:creationId xmlns:a16="http://schemas.microsoft.com/office/drawing/2014/main" id="{4AC73666-7A7E-BB2E-6CF8-EFD7132135A9}"/>
+                </a:ext>
+              </a:extLst>
+            </p:cNvPr>
+            <p:cNvGrpSpPr/>
+            <p:nvPr/>
+          </p:nvGrpSpPr>
+          <p:grpSpPr>
+            <a:xfrm>
+              <a:off x="251773" y="273672"/>
+              <a:ext cx="11780896" cy="5959345"/>
+              <a:chOff x="-304469" y="54148"/>
+              <a:chExt cx="12348821" cy="6178499"/>
+            </a:xfrm>
+          </p:grpSpPr>
+          <p:grpSp>
+            <p:nvGrpSpPr>
+              <p:cNvPr id="161" name="Group 160">
+                <a:extLst>
+                  <a:ext uri="{FF2B5EF4-FFF2-40B4-BE49-F238E27FC236}">
+                    <a16:creationId xmlns:a16="http://schemas.microsoft.com/office/drawing/2014/main" id="{7C334B4C-F1AD-5EBC-5C88-A6B37ABE0D44}"/>
+                  </a:ext>
+                </a:extLst>
+              </p:cNvPr>
+              <p:cNvGrpSpPr/>
+              <p:nvPr/>
+            </p:nvGrpSpPr>
+            <p:grpSpPr>
+              <a:xfrm>
+                <a:off x="-304469" y="54148"/>
+                <a:ext cx="12348821" cy="6178499"/>
+                <a:chOff x="-1490102" y="-551063"/>
+                <a:chExt cx="13559355" cy="6783711"/>
+              </a:xfrm>
+            </p:grpSpPr>
+            <p:grpSp>
+              <p:nvGrpSpPr>
+                <p:cNvPr id="26" name="Group 25">
+                  <a:extLst>
+                    <a:ext uri="{FF2B5EF4-FFF2-40B4-BE49-F238E27FC236}">
+                      <a16:creationId xmlns:a16="http://schemas.microsoft.com/office/drawing/2014/main" id="{46BF068A-87B6-9C0F-011E-8A6FA0C78D8C}"/>
+                    </a:ext>
+                  </a:extLst>
+                </p:cNvPr>
+                <p:cNvGrpSpPr/>
+                <p:nvPr/>
+              </p:nvGrpSpPr>
+              <p:grpSpPr>
+                <a:xfrm>
+                  <a:off x="1016724" y="-551063"/>
+                  <a:ext cx="11052529" cy="6111018"/>
+                  <a:chOff x="-715244" y="-3126728"/>
+                  <a:chExt cx="13264062" cy="7696127"/>
+                </a:xfrm>
+              </p:grpSpPr>
+              <p:sp>
+                <p:nvSpPr>
+                  <p:cNvPr id="2" name="Rectangle 1">
+                    <a:extLst>
+                      <a:ext uri="{FF2B5EF4-FFF2-40B4-BE49-F238E27FC236}">
+                        <a16:creationId xmlns:a16="http://schemas.microsoft.com/office/drawing/2014/main" id="{781ACDA3-69BE-BF9B-68E4-9E48C9FA90BD}"/>
+                      </a:ext>
+                    </a:extLst>
+                  </p:cNvPr>
+                  <p:cNvSpPr/>
+                  <p:nvPr/>
+                </p:nvSpPr>
+                <p:spPr>
+                  <a:xfrm>
+                    <a:off x="588222" y="-890654"/>
+                    <a:ext cx="2442046" cy="914400"/>
+                  </a:xfrm>
+                  <a:prstGeom prst="rect">
+                    <a:avLst/>
+                  </a:prstGeom>
+                </p:spPr>
+                <p:style>
+                  <a:lnRef idx="2">
+                    <a:schemeClr val="dk1">
+                      <a:shade val="15000"/>
+                    </a:schemeClr>
+                  </a:lnRef>
+                  <a:fillRef idx="1">
+                    <a:schemeClr val="dk1"/>
+                  </a:fillRef>
+                  <a:effectRef idx="0">
+                    <a:schemeClr val="dk1"/>
+                  </a:effectRef>
+                  <a:fontRef idx="minor">
+                    <a:schemeClr val="lt1"/>
+                  </a:fontRef>
+                </p:style>
+                <p:txBody>
+                  <a:bodyPr rtlCol="0" anchor="ctr"/>
+                  <a:lstStyle/>
+                  <a:p>
+                    <a:pPr algn="ctr"/>
+                    <a:r>
+                      <a:rPr lang="en-US" sz="1400" dirty="0"/>
+                      <a:t>App 1 (WEB)</a:t>
+                    </a:r>
+                    <a:br>
+                      <a:rPr lang="en-US" sz="1400" dirty="0"/>
+                    </a:br>
+                    <a:r>
+                      <a:rPr lang="en-US" sz="1400" dirty="0"/>
+                      <a:t>Trip Event App</a:t>
+                    </a:r>
+                  </a:p>
+                </p:txBody>
+              </p:sp>
+              <p:sp>
+                <p:nvSpPr>
+                  <p:cNvPr id="5" name="Rectangle 4">
+                    <a:extLst>
+                      <a:ext uri="{FF2B5EF4-FFF2-40B4-BE49-F238E27FC236}">
+                        <a16:creationId xmlns:a16="http://schemas.microsoft.com/office/drawing/2014/main" id="{2780E0F0-5AFD-4565-E359-E58A050DC2B8}"/>
+                      </a:ext>
+                    </a:extLst>
+                  </p:cNvPr>
+                  <p:cNvSpPr/>
+                  <p:nvPr/>
+                </p:nvSpPr>
+                <p:spPr>
+                  <a:xfrm>
+                    <a:off x="7827391" y="250573"/>
+                    <a:ext cx="2377440" cy="914400"/>
+                  </a:xfrm>
+                  <a:prstGeom prst="rect">
+                    <a:avLst/>
+                  </a:prstGeom>
+                </p:spPr>
+                <p:style>
+                  <a:lnRef idx="2">
+                    <a:schemeClr val="dk1">
+                      <a:shade val="15000"/>
+                    </a:schemeClr>
+                  </a:lnRef>
+                  <a:fillRef idx="1">
+                    <a:schemeClr val="dk1"/>
+                  </a:fillRef>
+                  <a:effectRef idx="0">
+                    <a:schemeClr val="dk1"/>
+                  </a:effectRef>
+                  <a:fontRef idx="minor">
+                    <a:schemeClr val="lt1"/>
+                  </a:fontRef>
+                </p:style>
+                <p:txBody>
+                  <a:bodyPr rtlCol="0" anchor="ctr"/>
+                  <a:lstStyle/>
+                  <a:p>
+                    <a:pPr algn="ctr"/>
+                    <a:r>
+                      <a:rPr lang="en-US" sz="1400" dirty="0"/>
+                      <a:t>App 2 (mobile first)</a:t>
+                    </a:r>
+                    <a:br>
+                      <a:rPr lang="en-US" sz="1400" dirty="0"/>
+                    </a:br>
+                    <a:r>
+                      <a:rPr lang="en-US" sz="1400" dirty="0"/>
+                      <a:t>Host app</a:t>
+                    </a:r>
+                  </a:p>
+                </p:txBody>
+              </p:sp>
+              <p:sp>
+                <p:nvSpPr>
+                  <p:cNvPr id="8" name="Flowchart: Terminator 7">
+                    <a:extLst>
+                      <a:ext uri="{FF2B5EF4-FFF2-40B4-BE49-F238E27FC236}">
+                        <a16:creationId xmlns:a16="http://schemas.microsoft.com/office/drawing/2014/main" id="{EBB6A696-1FB7-6CF9-3459-57B76CEC2DCE}"/>
+                      </a:ext>
+                    </a:extLst>
+                  </p:cNvPr>
+                  <p:cNvSpPr/>
+                  <p:nvPr/>
+                </p:nvSpPr>
+                <p:spPr>
+                  <a:xfrm>
+                    <a:off x="-715244" y="743923"/>
+                    <a:ext cx="1100751" cy="692459"/>
+                  </a:xfrm>
+                  <a:prstGeom prst="flowChartTerminator">
+                    <a:avLst/>
+                  </a:prstGeom>
+                </p:spPr>
+                <p:style>
+                  <a:lnRef idx="2">
+                    <a:schemeClr val="accent6">
+                      <a:shade val="15000"/>
+                    </a:schemeClr>
+                  </a:lnRef>
+                  <a:fillRef idx="1">
+                    <a:schemeClr val="accent6"/>
+                  </a:fillRef>
+                  <a:effectRef idx="0">
+                    <a:schemeClr val="accent6"/>
+                  </a:effectRef>
+                  <a:fontRef idx="minor">
+                    <a:schemeClr val="lt1"/>
+                  </a:fontRef>
+                </p:style>
+                <p:txBody>
+                  <a:bodyPr rtlCol="0" anchor="ctr"/>
+                  <a:lstStyle/>
+                  <a:p>
+                    <a:pPr algn="ctr"/>
+                    <a:r>
+                      <a:rPr lang="en-US" sz="1400" dirty="0"/>
+                      <a:t>EVENT</a:t>
+                    </a:r>
+                  </a:p>
+                </p:txBody>
+              </p:sp>
+              <p:sp>
+                <p:nvSpPr>
+                  <p:cNvPr id="49" name="Oval 48">
+                    <a:extLst>
+                      <a:ext uri="{FF2B5EF4-FFF2-40B4-BE49-F238E27FC236}">
+                        <a16:creationId xmlns:a16="http://schemas.microsoft.com/office/drawing/2014/main" id="{C6AEAD1F-B2CB-08A6-B6BE-F403F0DEA557}"/>
+                      </a:ext>
+                    </a:extLst>
+                  </p:cNvPr>
+                  <p:cNvSpPr/>
+                  <p:nvPr/>
+                </p:nvSpPr>
+                <p:spPr>
+                  <a:xfrm>
+                    <a:off x="7644511" y="-3126728"/>
+                    <a:ext cx="2743200" cy="1188719"/>
+                  </a:xfrm>
+                  <a:prstGeom prst="ellipse">
+                    <a:avLst/>
+                  </a:prstGeom>
+                </p:spPr>
+                <p:style>
+                  <a:lnRef idx="2">
+                    <a:schemeClr val="accent2">
+                      <a:shade val="15000"/>
+                    </a:schemeClr>
+                  </a:lnRef>
+                  <a:fillRef idx="1">
+                    <a:schemeClr val="accent2"/>
+                  </a:fillRef>
+                  <a:effectRef idx="0">
+                    <a:schemeClr val="accent2"/>
+                  </a:effectRef>
+                  <a:fontRef idx="minor">
+                    <a:schemeClr val="lt1"/>
+                  </a:fontRef>
+                </p:style>
+                <p:txBody>
+                  <a:bodyPr rtlCol="0" anchor="ctr"/>
+                  <a:lstStyle/>
+                  <a:p>
+                    <a:pPr algn="ctr"/>
+                    <a:r>
+                      <a:rPr lang="en-US" sz="1100" dirty="0"/>
+                      <a:t>Rental Tracking &amp; Management Tool</a:t>
+                    </a:r>
+                  </a:p>
+                </p:txBody>
+              </p:sp>
+              <p:sp>
+                <p:nvSpPr>
+                  <p:cNvPr id="50" name="Rectangle: Diagonal Corners Rounded 49">
+                    <a:extLst>
+                      <a:ext uri="{FF2B5EF4-FFF2-40B4-BE49-F238E27FC236}">
+                        <a16:creationId xmlns:a16="http://schemas.microsoft.com/office/drawing/2014/main" id="{00A9AD97-5311-F482-ABAD-F5CB78CD6794}"/>
+                      </a:ext>
+                    </a:extLst>
+                  </p:cNvPr>
+                  <p:cNvSpPr/>
+                  <p:nvPr/>
+                </p:nvSpPr>
+                <p:spPr>
+                  <a:xfrm>
+                    <a:off x="809906" y="707772"/>
+                    <a:ext cx="1998678" cy="749780"/>
+                  </a:xfrm>
+                  <a:prstGeom prst="round2DiagRect">
+                    <a:avLst/>
+                  </a:prstGeom>
+                  <a:solidFill>
+                    <a:srgbClr val="92DE16"/>
+                  </a:solidFill>
+                </p:spPr>
+                <p:style>
+                  <a:lnRef idx="2">
+                    <a:schemeClr val="accent6">
+                      <a:shade val="15000"/>
+                    </a:schemeClr>
+                  </a:lnRef>
+                  <a:fillRef idx="1">
+                    <a:schemeClr val="accent6"/>
+                  </a:fillRef>
+                  <a:effectRef idx="0">
+                    <a:schemeClr val="accent6"/>
+                  </a:effectRef>
+                  <a:fontRef idx="minor">
+                    <a:schemeClr val="lt1"/>
+                  </a:fontRef>
+                </p:style>
+                <p:txBody>
+                  <a:bodyPr rtlCol="0" anchor="ctr"/>
+                  <a:lstStyle/>
+                  <a:p>
+                    <a:pPr algn="ctr"/>
+                    <a:r>
+                      <a:rPr lang="en-US" sz="1400" dirty="0"/>
+                      <a:t>Organizations</a:t>
+                    </a:r>
+                    <a:br>
+                      <a:rPr lang="en-US" sz="1400" dirty="0"/>
+                    </a:br>
+                    <a:r>
+                      <a:rPr lang="en-US" sz="1400" dirty="0"/>
+                      <a:t>GUESTs</a:t>
+                    </a:r>
+                  </a:p>
+                </p:txBody>
+              </p:sp>
+              <p:cxnSp>
+                <p:nvCxnSpPr>
+                  <p:cNvPr id="51" name="Straight Arrow Connector 50">
+                    <a:extLst>
+                      <a:ext uri="{FF2B5EF4-FFF2-40B4-BE49-F238E27FC236}">
+                        <a16:creationId xmlns:a16="http://schemas.microsoft.com/office/drawing/2014/main" id="{77A2D888-62C2-EB15-3CAC-57AAA4EDFD6D}"/>
+                      </a:ext>
+                    </a:extLst>
+                  </p:cNvPr>
+                  <p:cNvCxnSpPr>
+                    <a:cxnSpLocks/>
+                    <a:stCxn id="2" idx="2"/>
+                    <a:endCxn id="50" idx="3"/>
+                  </p:cNvCxnSpPr>
+                  <p:nvPr/>
+                </p:nvCxnSpPr>
+                <p:spPr>
+                  <a:xfrm>
+                    <a:off x="1809245" y="23746"/>
+                    <a:ext cx="0" cy="684026"/>
+                  </a:xfrm>
+                  <a:prstGeom prst="straightConnector1">
+                    <a:avLst/>
+                  </a:prstGeom>
+                  <a:ln w="76200">
+                    <a:solidFill>
+                      <a:srgbClr val="92DE16"/>
+                    </a:solidFill>
+                    <a:tailEnd type="triangle"/>
+                  </a:ln>
+                </p:spPr>
+                <p:style>
+                  <a:lnRef idx="1">
+                    <a:schemeClr val="dk1"/>
+                  </a:lnRef>
+                  <a:fillRef idx="0">
+                    <a:schemeClr val="dk1"/>
+                  </a:fillRef>
+                  <a:effectRef idx="0">
+                    <a:schemeClr val="dk1"/>
+                  </a:effectRef>
+                  <a:fontRef idx="minor">
+                    <a:schemeClr val="tx1"/>
+                  </a:fontRef>
+                </p:style>
+              </p:cxnSp>
+              <p:sp>
+                <p:nvSpPr>
+                  <p:cNvPr id="55" name="Rectangle: Diagonal Corners Rounded 54">
+                    <a:extLst>
+                      <a:ext uri="{FF2B5EF4-FFF2-40B4-BE49-F238E27FC236}">
+                        <a16:creationId xmlns:a16="http://schemas.microsoft.com/office/drawing/2014/main" id="{22858B04-5E3C-2C82-1443-57F786E7B70B}"/>
+                      </a:ext>
+                    </a:extLst>
+                  </p:cNvPr>
+                  <p:cNvSpPr/>
+                  <p:nvPr/>
+                </p:nvSpPr>
+                <p:spPr>
+                  <a:xfrm>
+                    <a:off x="11268659" y="410370"/>
+                    <a:ext cx="1280159" cy="594803"/>
+                  </a:xfrm>
+                  <a:prstGeom prst="round2DiagRect">
+                    <a:avLst/>
+                  </a:prstGeom>
+                </p:spPr>
+                <p:style>
+                  <a:lnRef idx="2">
+                    <a:schemeClr val="accent2">
+                      <a:shade val="15000"/>
+                    </a:schemeClr>
+                  </a:lnRef>
+                  <a:fillRef idx="1">
+                    <a:schemeClr val="accent2"/>
+                  </a:fillRef>
+                  <a:effectRef idx="0">
+                    <a:schemeClr val="accent2"/>
+                  </a:effectRef>
+                  <a:fontRef idx="minor">
+                    <a:schemeClr val="lt1"/>
+                  </a:fontRef>
+                </p:style>
+                <p:txBody>
+                  <a:bodyPr rtlCol="0" anchor="ctr"/>
+                  <a:lstStyle/>
+                  <a:p>
+                    <a:pPr algn="ctr"/>
+                    <a:r>
+                      <a:rPr lang="en-US" sz="1400" dirty="0"/>
+                      <a:t>HOSTs</a:t>
+                    </a:r>
+                  </a:p>
+                </p:txBody>
+              </p:sp>
+              <p:cxnSp>
+                <p:nvCxnSpPr>
+                  <p:cNvPr id="68" name="Straight Arrow Connector 67">
+                    <a:extLst>
+                      <a:ext uri="{FF2B5EF4-FFF2-40B4-BE49-F238E27FC236}">
+                        <a16:creationId xmlns:a16="http://schemas.microsoft.com/office/drawing/2014/main" id="{372B46FA-E7FB-C128-409C-DF81DF69B59B}"/>
+                      </a:ext>
+                    </a:extLst>
+                  </p:cNvPr>
+                  <p:cNvCxnSpPr>
+                    <a:cxnSpLocks/>
+                    <a:stCxn id="55" idx="2"/>
+                    <a:endCxn id="5" idx="3"/>
+                  </p:cNvCxnSpPr>
+                  <p:nvPr/>
+                </p:nvCxnSpPr>
+                <p:spPr>
+                  <a:xfrm flipH="1">
+                    <a:off x="10204830" y="707772"/>
+                    <a:ext cx="1063829" cy="1"/>
+                  </a:xfrm>
+                  <a:prstGeom prst="straightConnector1">
+                    <a:avLst/>
+                  </a:prstGeom>
+                  <a:ln w="76200">
+                    <a:solidFill>
+                      <a:schemeClr val="accent2"/>
+                    </a:solidFill>
+                    <a:tailEnd type="triangle"/>
+                  </a:ln>
+                </p:spPr>
+                <p:style>
+                  <a:lnRef idx="1">
+                    <a:schemeClr val="dk1"/>
+                  </a:lnRef>
+                  <a:fillRef idx="0">
+                    <a:schemeClr val="dk1"/>
+                  </a:fillRef>
+                  <a:effectRef idx="0">
+                    <a:schemeClr val="dk1"/>
+                  </a:effectRef>
+                  <a:fontRef idx="minor">
+                    <a:schemeClr val="tx1"/>
+                  </a:fontRef>
+                </p:style>
+              </p:cxnSp>
+              <p:cxnSp>
+                <p:nvCxnSpPr>
+                  <p:cNvPr id="146" name="Connector: Elbow 145">
+                    <a:extLst>
+                      <a:ext uri="{FF2B5EF4-FFF2-40B4-BE49-F238E27FC236}">
+                        <a16:creationId xmlns:a16="http://schemas.microsoft.com/office/drawing/2014/main" id="{7B578AA9-FE8D-2F17-962F-E3214879D4E4}"/>
+                      </a:ext>
+                    </a:extLst>
+                  </p:cNvPr>
+                  <p:cNvCxnSpPr>
+                    <a:cxnSpLocks/>
+                    <a:stCxn id="2" idx="1"/>
+                    <a:endCxn id="8" idx="0"/>
+                  </p:cNvCxnSpPr>
+                  <p:nvPr/>
+                </p:nvCxnSpPr>
+                <p:spPr>
+                  <a:xfrm rot="10800000" flipV="1">
+                    <a:off x="-164868" y="-433454"/>
+                    <a:ext cx="753091" cy="1177377"/>
+                  </a:xfrm>
+                  <a:prstGeom prst="bentConnector2">
+                    <a:avLst/>
+                  </a:prstGeom>
+                  <a:ln w="76200">
+                    <a:solidFill>
+                      <a:srgbClr val="FF0000"/>
+                    </a:solidFill>
+                    <a:tailEnd type="triangle"/>
+                  </a:ln>
+                </p:spPr>
+                <p:style>
+                  <a:lnRef idx="1">
+                    <a:schemeClr val="accent1"/>
+                  </a:lnRef>
+                  <a:fillRef idx="0">
+                    <a:schemeClr val="accent1"/>
+                  </a:fillRef>
+                  <a:effectRef idx="0">
+                    <a:schemeClr val="accent1"/>
+                  </a:effectRef>
+                  <a:fontRef idx="minor">
+                    <a:schemeClr val="tx1"/>
+                  </a:fontRef>
+                </p:style>
+              </p:cxnSp>
+              <p:sp>
+                <p:nvSpPr>
+                  <p:cNvPr id="149" name="Rectangle 148">
+                    <a:extLst>
+                      <a:ext uri="{FF2B5EF4-FFF2-40B4-BE49-F238E27FC236}">
+                        <a16:creationId xmlns:a16="http://schemas.microsoft.com/office/drawing/2014/main" id="{3446A0B0-14D8-39F6-4CEF-7A2FE4C204BF}"/>
+                      </a:ext>
+                    </a:extLst>
+                  </p:cNvPr>
+                  <p:cNvSpPr/>
+                  <p:nvPr/>
+                </p:nvSpPr>
+                <p:spPr>
+                  <a:xfrm>
+                    <a:off x="4191639" y="2905217"/>
+                    <a:ext cx="2377440" cy="914399"/>
+                  </a:xfrm>
+                  <a:prstGeom prst="rect">
+                    <a:avLst/>
+                  </a:prstGeom>
+                </p:spPr>
+                <p:style>
+                  <a:lnRef idx="2">
+                    <a:schemeClr val="dk1">
+                      <a:shade val="15000"/>
+                    </a:schemeClr>
+                  </a:lnRef>
+                  <a:fillRef idx="1">
+                    <a:schemeClr val="dk1"/>
+                  </a:fillRef>
+                  <a:effectRef idx="0">
+                    <a:schemeClr val="dk1"/>
+                  </a:effectRef>
+                  <a:fontRef idx="minor">
+                    <a:schemeClr val="lt1"/>
+                  </a:fontRef>
+                </p:style>
+                <p:txBody>
+                  <a:bodyPr rtlCol="0" anchor="ctr"/>
+                  <a:lstStyle/>
+                  <a:p>
+                    <a:pPr algn="ctr"/>
+                    <a:r>
+                      <a:rPr lang="en-US" sz="1400" dirty="0"/>
+                      <a:t>App 3 (mobile first)</a:t>
+                    </a:r>
+                    <a:br>
+                      <a:rPr lang="en-US" sz="1400" dirty="0"/>
+                    </a:br>
+                    <a:r>
+                      <a:rPr lang="en-US" sz="1400" dirty="0"/>
+                      <a:t>Search Engine</a:t>
+                    </a:r>
+                  </a:p>
+                </p:txBody>
+              </p:sp>
+              <p:cxnSp>
+                <p:nvCxnSpPr>
+                  <p:cNvPr id="151" name="Straight Arrow Connector 150">
+                    <a:extLst>
+                      <a:ext uri="{FF2B5EF4-FFF2-40B4-BE49-F238E27FC236}">
+                        <a16:creationId xmlns:a16="http://schemas.microsoft.com/office/drawing/2014/main" id="{E1E0EC7F-C4A5-920F-E5B4-12E7757B2A26}"/>
+                      </a:ext>
+                    </a:extLst>
+                  </p:cNvPr>
+                  <p:cNvCxnSpPr>
+                    <a:cxnSpLocks/>
+                    <a:stCxn id="5" idx="0"/>
+                    <a:endCxn id="49" idx="4"/>
+                  </p:cNvCxnSpPr>
+                  <p:nvPr/>
+                </p:nvCxnSpPr>
+                <p:spPr>
+                  <a:xfrm flipV="1">
+                    <a:off x="9016111" y="-1938008"/>
+                    <a:ext cx="0" cy="2188581"/>
+                  </a:xfrm>
+                  <a:prstGeom prst="straightConnector1">
+                    <a:avLst/>
+                  </a:prstGeom>
+                  <a:ln w="76200">
+                    <a:solidFill>
+                      <a:schemeClr val="accent2"/>
+                    </a:solidFill>
+                    <a:tailEnd type="triangle"/>
+                  </a:ln>
+                </p:spPr>
+                <p:style>
+                  <a:lnRef idx="1">
+                    <a:schemeClr val="dk1"/>
+                  </a:lnRef>
+                  <a:fillRef idx="0">
+                    <a:schemeClr val="dk1"/>
+                  </a:fillRef>
+                  <a:effectRef idx="0">
+                    <a:schemeClr val="dk1"/>
+                  </a:effectRef>
+                  <a:fontRef idx="minor">
+                    <a:schemeClr val="tx1"/>
+                  </a:fontRef>
+                </p:style>
+              </p:cxnSp>
+              <p:cxnSp>
+                <p:nvCxnSpPr>
+                  <p:cNvPr id="171" name="Connector: Elbow 170">
+                    <a:extLst>
+                      <a:ext uri="{FF2B5EF4-FFF2-40B4-BE49-F238E27FC236}">
+                        <a16:creationId xmlns:a16="http://schemas.microsoft.com/office/drawing/2014/main" id="{2978C0E2-CA85-6A48-F770-930412930C87}"/>
+                      </a:ext>
+                    </a:extLst>
+                  </p:cNvPr>
+                  <p:cNvCxnSpPr>
+                    <a:cxnSpLocks/>
+                    <a:stCxn id="50" idx="0"/>
+                    <a:endCxn id="149" idx="1"/>
+                  </p:cNvCxnSpPr>
+                  <p:nvPr/>
+                </p:nvCxnSpPr>
+                <p:spPr>
+                  <a:xfrm>
+                    <a:off x="2808584" y="1082662"/>
+                    <a:ext cx="1383055" cy="2279755"/>
+                  </a:xfrm>
+                  <a:prstGeom prst="bentConnector3">
+                    <a:avLst>
+                      <a:gd name="adj1" fmla="val 50000"/>
+                    </a:avLst>
+                  </a:prstGeom>
+                  <a:ln w="76200">
+                    <a:solidFill>
+                      <a:srgbClr val="92DE16"/>
+                    </a:solidFill>
+                    <a:tailEnd type="triangle"/>
+                  </a:ln>
+                </p:spPr>
+                <p:style>
+                  <a:lnRef idx="1">
+                    <a:schemeClr val="accent1"/>
+                  </a:lnRef>
+                  <a:fillRef idx="0">
+                    <a:schemeClr val="accent1"/>
+                  </a:fillRef>
+                  <a:effectRef idx="0">
+                    <a:schemeClr val="accent1"/>
+                  </a:effectRef>
+                  <a:fontRef idx="minor">
+                    <a:schemeClr val="tx1"/>
+                  </a:fontRef>
+                </p:style>
+              </p:cxnSp>
+              <p:cxnSp>
+                <p:nvCxnSpPr>
+                  <p:cNvPr id="178" name="Connector: Elbow 177">
+                    <a:extLst>
+                      <a:ext uri="{FF2B5EF4-FFF2-40B4-BE49-F238E27FC236}">
+                        <a16:creationId xmlns:a16="http://schemas.microsoft.com/office/drawing/2014/main" id="{21A10575-2307-B935-7611-679C84A5B1E6}"/>
+                      </a:ext>
+                    </a:extLst>
+                  </p:cNvPr>
+                  <p:cNvCxnSpPr>
+                    <a:cxnSpLocks/>
+                    <a:stCxn id="149" idx="3"/>
+                    <a:endCxn id="64" idx="1"/>
+                  </p:cNvCxnSpPr>
+                  <p:nvPr/>
+                </p:nvCxnSpPr>
+                <p:spPr>
+                  <a:xfrm>
+                    <a:off x="6569078" y="3362417"/>
+                    <a:ext cx="1599214" cy="452250"/>
+                  </a:xfrm>
+                  <a:prstGeom prst="bentConnector3">
+                    <a:avLst>
+                      <a:gd name="adj1" fmla="val 50000"/>
+                    </a:avLst>
+                  </a:prstGeom>
+                  <a:ln w="76200">
+                    <a:solidFill>
+                      <a:srgbClr val="FF0000"/>
+                    </a:solidFill>
+                    <a:tailEnd type="triangle"/>
+                  </a:ln>
+                </p:spPr>
+                <p:style>
+                  <a:lnRef idx="1">
+                    <a:schemeClr val="accent1"/>
+                  </a:lnRef>
+                  <a:fillRef idx="0">
+                    <a:schemeClr val="accent1"/>
+                  </a:fillRef>
+                  <a:effectRef idx="0">
+                    <a:schemeClr val="accent1"/>
+                  </a:effectRef>
+                  <a:fontRef idx="minor">
+                    <a:schemeClr val="tx1"/>
+                  </a:fontRef>
+                </p:style>
+              </p:cxnSp>
+              <p:sp>
+                <p:nvSpPr>
+                  <p:cNvPr id="25" name="Rectangle: Diagonal Corners Rounded 24">
+                    <a:extLst>
+                      <a:ext uri="{FF2B5EF4-FFF2-40B4-BE49-F238E27FC236}">
+                        <a16:creationId xmlns:a16="http://schemas.microsoft.com/office/drawing/2014/main" id="{13717B54-3CAE-A8AF-77B1-F2C0AFC2645B}"/>
+                      </a:ext>
+                    </a:extLst>
+                  </p:cNvPr>
+                  <p:cNvSpPr/>
+                  <p:nvPr/>
+                </p:nvSpPr>
+                <p:spPr>
+                  <a:xfrm>
+                    <a:off x="809901" y="3819616"/>
+                    <a:ext cx="1998681" cy="749783"/>
+                  </a:xfrm>
+                  <a:prstGeom prst="round2DiagRect">
+                    <a:avLst/>
+                  </a:prstGeom>
+                  <a:solidFill>
+                    <a:schemeClr val="accent1">
+                      <a:lumMod val="60000"/>
+                      <a:lumOff val="40000"/>
+                    </a:schemeClr>
+                  </a:solidFill>
+                </p:spPr>
+                <p:style>
+                  <a:lnRef idx="2">
+                    <a:schemeClr val="accent6">
+                      <a:shade val="15000"/>
+                    </a:schemeClr>
+                  </a:lnRef>
+                  <a:fillRef idx="1">
+                    <a:schemeClr val="accent6"/>
+                  </a:fillRef>
+                  <a:effectRef idx="0">
+                    <a:schemeClr val="accent6"/>
+                  </a:effectRef>
+                  <a:fontRef idx="minor">
+                    <a:schemeClr val="lt1"/>
+                  </a:fontRef>
+                </p:style>
+                <p:txBody>
+                  <a:bodyPr rtlCol="0" anchor="ctr"/>
+                  <a:lstStyle/>
+                  <a:p>
+                    <a:pPr algn="ctr"/>
+                    <a:r>
+                      <a:rPr lang="en-US" sz="1400" dirty="0"/>
+                      <a:t>Other</a:t>
+                    </a:r>
+                    <a:br>
+                      <a:rPr lang="en-US" sz="1400" dirty="0"/>
+                    </a:br>
+                    <a:r>
+                      <a:rPr lang="en-US" sz="1400" dirty="0"/>
+                      <a:t>GUESTs</a:t>
+                    </a:r>
+                  </a:p>
+                </p:txBody>
+              </p:sp>
+              <p:sp>
+                <p:nvSpPr>
+                  <p:cNvPr id="64" name="Flowchart: Terminator 63">
+                    <a:extLst>
+                      <a:ext uri="{FF2B5EF4-FFF2-40B4-BE49-F238E27FC236}">
+                        <a16:creationId xmlns:a16="http://schemas.microsoft.com/office/drawing/2014/main" id="{A3EFDF9B-D7C1-5271-E393-D7C7B3344483}"/>
+                      </a:ext>
+                    </a:extLst>
+                  </p:cNvPr>
+                  <p:cNvSpPr/>
+                  <p:nvPr/>
+                </p:nvSpPr>
+                <p:spPr>
+                  <a:xfrm>
+                    <a:off x="8168292" y="3468437"/>
+                    <a:ext cx="1695635" cy="692459"/>
+                  </a:xfrm>
+                  <a:prstGeom prst="flowChartTerminator">
+                    <a:avLst/>
+                  </a:prstGeom>
+                </p:spPr>
+                <p:style>
+                  <a:lnRef idx="2">
+                    <a:schemeClr val="accent2">
+                      <a:shade val="15000"/>
+                    </a:schemeClr>
+                  </a:lnRef>
+                  <a:fillRef idx="1">
+                    <a:schemeClr val="accent2"/>
+                  </a:fillRef>
+                  <a:effectRef idx="0">
+                    <a:schemeClr val="accent2"/>
+                  </a:effectRef>
+                  <a:fontRef idx="minor">
+                    <a:schemeClr val="lt1"/>
+                  </a:fontRef>
+                </p:style>
+                <p:txBody>
+                  <a:bodyPr rtlCol="0" anchor="ctr"/>
+                  <a:lstStyle/>
+                  <a:p>
+                    <a:pPr algn="ctr"/>
+                    <a:r>
+                      <a:rPr lang="en-US" sz="1400" dirty="0"/>
+                      <a:t>Locations</a:t>
+                    </a:r>
+                  </a:p>
+                </p:txBody>
+              </p:sp>
+            </p:grpSp>
+            <p:cxnSp>
+              <p:nvCxnSpPr>
+                <p:cNvPr id="67" name="Straight Arrow Connector 66">
+                  <a:extLst>
+                    <a:ext uri="{FF2B5EF4-FFF2-40B4-BE49-F238E27FC236}">
+                      <a16:creationId xmlns:a16="http://schemas.microsoft.com/office/drawing/2014/main" id="{907C326A-A6B2-84A4-A217-D3EC04B49375}"/>
+                    </a:ext>
+                  </a:extLst>
+                </p:cNvPr>
+                <p:cNvCxnSpPr>
+                  <a:cxnSpLocks/>
+                  <a:stCxn id="5" idx="2"/>
+                  <a:endCxn id="64" idx="0"/>
+                </p:cNvCxnSpPr>
+                <p:nvPr/>
+              </p:nvCxnSpPr>
+              <p:spPr>
+                <a:xfrm flipH="1">
+                  <a:off x="9125557" y="2856712"/>
+                  <a:ext cx="1" cy="1829038"/>
+                </a:xfrm>
+                <a:prstGeom prst="straightConnector1">
+                  <a:avLst/>
+                </a:prstGeom>
+                <a:ln w="76200">
+                  <a:solidFill>
+                    <a:srgbClr val="FF0000"/>
+                  </a:solidFill>
+                  <a:tailEnd type="triangle"/>
+                </a:ln>
+              </p:spPr>
+              <p:style>
+                <a:lnRef idx="1">
+                  <a:schemeClr val="dk1"/>
+                </a:lnRef>
+                <a:fillRef idx="0">
+                  <a:schemeClr val="dk1"/>
+                </a:fillRef>
+                <a:effectRef idx="0">
+                  <a:schemeClr val="dk1"/>
+                </a:effectRef>
+                <a:fontRef idx="minor">
+                  <a:schemeClr val="tx1"/>
+                </a:fontRef>
+              </p:style>
+            </p:cxnSp>
+            <p:sp>
+              <p:nvSpPr>
+                <p:cNvPr id="75" name="Rectangle: Diagonal Corners Rounded 74">
+                  <a:extLst>
+                    <a:ext uri="{FF2B5EF4-FFF2-40B4-BE49-F238E27FC236}">
+                      <a16:creationId xmlns:a16="http://schemas.microsoft.com/office/drawing/2014/main" id="{65D6EAD0-BAF0-F573-E265-697595471779}"/>
+                    </a:ext>
+                  </a:extLst>
+                </p:cNvPr>
+                <p:cNvSpPr/>
+                <p:nvPr/>
+              </p:nvSpPr>
+              <p:spPr>
+                <a:xfrm>
+                  <a:off x="2287582" y="3703477"/>
+                  <a:ext cx="1665438" cy="595355"/>
+                </a:xfrm>
+                <a:prstGeom prst="round2DiagRect">
+                  <a:avLst/>
+                </a:prstGeom>
+                <a:solidFill>
+                  <a:srgbClr val="00B050"/>
+                </a:solidFill>
+              </p:spPr>
+              <p:style>
+                <a:lnRef idx="2">
+                  <a:schemeClr val="accent6">
+                    <a:shade val="15000"/>
+                  </a:schemeClr>
+                </a:lnRef>
+                <a:fillRef idx="1">
+                  <a:schemeClr val="accent6"/>
+                </a:fillRef>
+                <a:effectRef idx="0">
+                  <a:schemeClr val="accent6"/>
+                </a:effectRef>
+                <a:fontRef idx="minor">
+                  <a:schemeClr val="lt1"/>
+                </a:fontRef>
+              </p:style>
+              <p:txBody>
+                <a:bodyPr rtlCol="0" anchor="ctr"/>
+                <a:lstStyle/>
+                <a:p>
+                  <a:pPr algn="ctr"/>
+                  <a:r>
+                    <a:rPr lang="en-US" sz="1400" dirty="0"/>
+                    <a:t>Temporary</a:t>
+                  </a:r>
+                  <a:br>
+                    <a:rPr lang="en-US" sz="1400" dirty="0"/>
+                  </a:br>
+                  <a:r>
+                    <a:rPr lang="en-US" sz="1400" dirty="0"/>
+                    <a:t>GUESTs</a:t>
+                  </a:r>
+                </a:p>
+              </p:txBody>
+            </p:sp>
+            <p:cxnSp>
+              <p:nvCxnSpPr>
+                <p:cNvPr id="77" name="Connector: Elbow 76">
+                  <a:extLst>
+                    <a:ext uri="{FF2B5EF4-FFF2-40B4-BE49-F238E27FC236}">
+                      <a16:creationId xmlns:a16="http://schemas.microsoft.com/office/drawing/2014/main" id="{7A539C5E-5892-EEB6-965E-F06BEF364C62}"/>
+                    </a:ext>
+                  </a:extLst>
+                </p:cNvPr>
+                <p:cNvCxnSpPr>
+                  <a:cxnSpLocks/>
+                  <a:stCxn id="75" idx="2"/>
+                  <a:endCxn id="8" idx="2"/>
+                </p:cNvCxnSpPr>
+                <p:nvPr/>
+              </p:nvCxnSpPr>
+              <p:spPr>
+                <a:xfrm rot="10800000">
+                  <a:off x="1475335" y="3072222"/>
+                  <a:ext cx="812247" cy="928934"/>
+                </a:xfrm>
+                <a:prstGeom prst="bentConnector2">
+                  <a:avLst/>
+                </a:prstGeom>
+                <a:ln w="76200">
+                  <a:solidFill>
+                    <a:srgbClr val="00B050"/>
+                  </a:solidFill>
+                  <a:tailEnd type="triangle"/>
+                </a:ln>
+              </p:spPr>
+              <p:style>
+                <a:lnRef idx="1">
+                  <a:schemeClr val="accent1"/>
+                </a:lnRef>
+                <a:fillRef idx="0">
+                  <a:schemeClr val="accent1"/>
+                </a:fillRef>
+                <a:effectRef idx="0">
+                  <a:schemeClr val="accent1"/>
+                </a:effectRef>
+                <a:fontRef idx="minor">
+                  <a:schemeClr val="tx1"/>
+                </a:fontRef>
+              </p:style>
+            </p:cxnSp>
+            <p:sp>
+              <p:nvSpPr>
+                <p:cNvPr id="83" name="Flowchart: Terminator 82">
+                  <a:extLst>
+                    <a:ext uri="{FF2B5EF4-FFF2-40B4-BE49-F238E27FC236}">
+                      <a16:creationId xmlns:a16="http://schemas.microsoft.com/office/drawing/2014/main" id="{227F553B-7068-B145-58B5-D7460F45CAA6}"/>
+                    </a:ext>
+                  </a:extLst>
+                </p:cNvPr>
+                <p:cNvSpPr/>
+                <p:nvPr/>
+              </p:nvSpPr>
+              <p:spPr>
+                <a:xfrm>
+                  <a:off x="5247506" y="5506580"/>
+                  <a:ext cx="1696985" cy="726068"/>
+                </a:xfrm>
+                <a:prstGeom prst="flowChartTerminator">
+                  <a:avLst/>
+                </a:prstGeom>
+                <a:solidFill>
+                  <a:schemeClr val="accent1">
+                    <a:lumMod val="60000"/>
+                    <a:lumOff val="40000"/>
+                  </a:schemeClr>
+                </a:solidFill>
+              </p:spPr>
+              <p:style>
+                <a:lnRef idx="2">
+                  <a:schemeClr val="accent6">
+                    <a:shade val="15000"/>
+                  </a:schemeClr>
+                </a:lnRef>
+                <a:fillRef idx="1">
+                  <a:schemeClr val="accent6"/>
+                </a:fillRef>
+                <a:effectRef idx="0">
+                  <a:schemeClr val="accent6"/>
+                </a:effectRef>
+                <a:fontRef idx="minor">
+                  <a:schemeClr val="lt1"/>
+                </a:fontRef>
+              </p:style>
+              <p:txBody>
+                <a:bodyPr rtlCol="0" anchor="ctr"/>
+                <a:lstStyle/>
+                <a:p>
+                  <a:pPr algn="ctr"/>
+                  <a:r>
+                    <a:rPr lang="en-US" sz="1400" dirty="0"/>
+                    <a:t>Cabin Event</a:t>
+                  </a:r>
+                  <a:br>
+                    <a:rPr lang="en-US" sz="1400" dirty="0"/>
+                  </a:br>
+                  <a:r>
+                    <a:rPr lang="en-US" sz="1400" dirty="0"/>
+                    <a:t>management</a:t>
+                  </a:r>
+                </a:p>
+              </p:txBody>
+            </p:sp>
+            <p:cxnSp>
+              <p:nvCxnSpPr>
+                <p:cNvPr id="84" name="Straight Arrow Connector 83">
+                  <a:extLst>
+                    <a:ext uri="{FF2B5EF4-FFF2-40B4-BE49-F238E27FC236}">
+                      <a16:creationId xmlns:a16="http://schemas.microsoft.com/office/drawing/2014/main" id="{CD3D1E7E-06FF-F281-32A3-F7C90F4FF381}"/>
+                    </a:ext>
+                  </a:extLst>
+                </p:cNvPr>
+                <p:cNvCxnSpPr>
+                  <a:cxnSpLocks/>
+                  <a:stCxn id="149" idx="2"/>
+                  <a:endCxn id="83" idx="0"/>
+                </p:cNvCxnSpPr>
+                <p:nvPr/>
+              </p:nvCxnSpPr>
+              <p:spPr>
+                <a:xfrm flipH="1">
+                  <a:off x="6095999" y="4964599"/>
+                  <a:ext cx="1" cy="541981"/>
+                </a:xfrm>
+                <a:prstGeom prst="straightConnector1">
+                  <a:avLst/>
+                </a:prstGeom>
+                <a:ln w="76200">
+                  <a:solidFill>
+                    <a:schemeClr val="accent1">
+                      <a:lumMod val="60000"/>
+                      <a:lumOff val="40000"/>
+                    </a:schemeClr>
+                  </a:solidFill>
+                  <a:tailEnd type="triangle"/>
+                </a:ln>
+              </p:spPr>
+              <p:style>
+                <a:lnRef idx="1">
+                  <a:schemeClr val="dk1"/>
+                </a:lnRef>
+                <a:fillRef idx="0">
+                  <a:schemeClr val="dk1"/>
+                </a:fillRef>
+                <a:effectRef idx="0">
+                  <a:schemeClr val="dk1"/>
+                </a:effectRef>
+                <a:fontRef idx="minor">
+                  <a:schemeClr val="tx1"/>
+                </a:fontRef>
+              </p:style>
+            </p:cxnSp>
+            <p:sp>
+              <p:nvSpPr>
+                <p:cNvPr id="90" name="Rectangle 89">
+                  <a:extLst>
+                    <a:ext uri="{FF2B5EF4-FFF2-40B4-BE49-F238E27FC236}">
+                      <a16:creationId xmlns:a16="http://schemas.microsoft.com/office/drawing/2014/main" id="{5C6AD63B-61AC-8C28-CA89-E11C809018D6}"/>
+                    </a:ext>
+                  </a:extLst>
+                </p:cNvPr>
+                <p:cNvSpPr/>
+                <p:nvPr/>
+              </p:nvSpPr>
+              <p:spPr>
+                <a:xfrm>
+                  <a:off x="5105476" y="198508"/>
+                  <a:ext cx="2034882" cy="726068"/>
+                </a:xfrm>
+                <a:prstGeom prst="rect">
+                  <a:avLst/>
+                </a:prstGeom>
+              </p:spPr>
+              <p:style>
+                <a:lnRef idx="2">
+                  <a:schemeClr val="dk1">
+                    <a:shade val="15000"/>
+                  </a:schemeClr>
+                </a:lnRef>
+                <a:fillRef idx="1">
+                  <a:schemeClr val="dk1"/>
+                </a:fillRef>
+                <a:effectRef idx="0">
+                  <a:schemeClr val="dk1"/>
+                </a:effectRef>
+                <a:fontRef idx="minor">
+                  <a:schemeClr val="lt1"/>
+                </a:fontRef>
+              </p:style>
+              <p:txBody>
+                <a:bodyPr rtlCol="0" anchor="ctr"/>
+                <a:lstStyle/>
+                <a:p>
+                  <a:pPr algn="ctr"/>
+                  <a:r>
+                    <a:rPr lang="en-US" sz="1400" dirty="0"/>
+                    <a:t>Landing Site</a:t>
+                  </a:r>
+                </a:p>
+              </p:txBody>
+            </p:sp>
+            <p:cxnSp>
+              <p:nvCxnSpPr>
+                <p:cNvPr id="91" name="Connector: Elbow 90">
+                  <a:extLst>
+                    <a:ext uri="{FF2B5EF4-FFF2-40B4-BE49-F238E27FC236}">
+                      <a16:creationId xmlns:a16="http://schemas.microsoft.com/office/drawing/2014/main" id="{61A0A204-0BF6-04C9-ABB7-89B8E346922D}"/>
+                    </a:ext>
+                  </a:extLst>
+                </p:cNvPr>
+                <p:cNvCxnSpPr>
+                  <a:cxnSpLocks/>
+                  <a:stCxn id="90" idx="1"/>
+                  <a:endCxn id="2" idx="0"/>
+                </p:cNvCxnSpPr>
+                <p:nvPr/>
+              </p:nvCxnSpPr>
+              <p:spPr>
+                <a:xfrm rot="10800000" flipV="1">
+                  <a:off x="3120302" y="561541"/>
+                  <a:ext cx="1985175" cy="662922"/>
+                </a:xfrm>
+                <a:prstGeom prst="bentConnector2">
+                  <a:avLst/>
+                </a:prstGeom>
+                <a:ln w="76200">
+                  <a:solidFill>
+                    <a:srgbClr val="7030A0"/>
+                  </a:solidFill>
+                  <a:tailEnd type="triangle"/>
+                </a:ln>
+              </p:spPr>
+              <p:style>
+                <a:lnRef idx="1">
+                  <a:schemeClr val="accent1"/>
+                </a:lnRef>
+                <a:fillRef idx="0">
+                  <a:schemeClr val="accent1"/>
+                </a:fillRef>
+                <a:effectRef idx="0">
+                  <a:schemeClr val="accent1"/>
+                </a:effectRef>
+                <a:fontRef idx="minor">
+                  <a:schemeClr val="tx1"/>
+                </a:fontRef>
+              </p:style>
+            </p:cxnSp>
+            <p:cxnSp>
+              <p:nvCxnSpPr>
+                <p:cNvPr id="109" name="Connector: Elbow 108">
+                  <a:extLst>
+                    <a:ext uri="{FF2B5EF4-FFF2-40B4-BE49-F238E27FC236}">
+                      <a16:creationId xmlns:a16="http://schemas.microsoft.com/office/drawing/2014/main" id="{0E691628-512F-09C7-636B-B07D08720DE3}"/>
+                    </a:ext>
+                  </a:extLst>
+                </p:cNvPr>
+                <p:cNvCxnSpPr>
+                  <a:cxnSpLocks/>
+                  <a:stCxn id="90" idx="3"/>
+                </p:cNvCxnSpPr>
+                <p:nvPr/>
+              </p:nvCxnSpPr>
+              <p:spPr>
+                <a:xfrm>
+                  <a:off x="7140358" y="561542"/>
+                  <a:ext cx="1499081" cy="1565171"/>
+                </a:xfrm>
+                <a:prstGeom prst="bentConnector2">
+                  <a:avLst/>
+                </a:prstGeom>
+                <a:ln w="76200">
+                  <a:solidFill>
+                    <a:srgbClr val="7030A0"/>
+                  </a:solidFill>
+                  <a:tailEnd type="triangle"/>
+                </a:ln>
+              </p:spPr>
+              <p:style>
+                <a:lnRef idx="1">
+                  <a:schemeClr val="accent1"/>
+                </a:lnRef>
+                <a:fillRef idx="0">
+                  <a:schemeClr val="accent1"/>
+                </a:fillRef>
+                <a:effectRef idx="0">
+                  <a:schemeClr val="accent1"/>
+                </a:effectRef>
+                <a:fontRef idx="minor">
+                  <a:schemeClr val="tx1"/>
+                </a:fontRef>
+              </p:style>
+            </p:cxnSp>
+            <p:cxnSp>
+              <p:nvCxnSpPr>
+                <p:cNvPr id="137" name="Straight Arrow Connector 136">
+                  <a:extLst>
+                    <a:ext uri="{FF2B5EF4-FFF2-40B4-BE49-F238E27FC236}">
+                      <a16:creationId xmlns:a16="http://schemas.microsoft.com/office/drawing/2014/main" id="{11DEB337-FDA6-1E5C-D1BF-94A96C1EE6F4}"/>
+                    </a:ext>
+                  </a:extLst>
+                </p:cNvPr>
+                <p:cNvCxnSpPr>
+                  <a:cxnSpLocks/>
+                  <a:stCxn id="50" idx="2"/>
+                  <a:endCxn id="8" idx="3"/>
+                </p:cNvCxnSpPr>
+                <p:nvPr/>
+              </p:nvCxnSpPr>
+              <p:spPr>
+                <a:xfrm flipH="1">
+                  <a:off x="1933946" y="2791353"/>
+                  <a:ext cx="353639" cy="5948"/>
+                </a:xfrm>
+                <a:prstGeom prst="straightConnector1">
+                  <a:avLst/>
+                </a:prstGeom>
+                <a:ln w="76200">
+                  <a:solidFill>
+                    <a:srgbClr val="92DE16"/>
+                  </a:solidFill>
+                  <a:tailEnd type="triangle"/>
+                </a:ln>
+              </p:spPr>
+              <p:style>
+                <a:lnRef idx="1">
+                  <a:schemeClr val="dk1"/>
+                </a:lnRef>
+                <a:fillRef idx="0">
+                  <a:schemeClr val="dk1"/>
+                </a:fillRef>
+                <a:effectRef idx="0">
+                  <a:schemeClr val="dk1"/>
+                </a:effectRef>
+                <a:fontRef idx="minor">
+                  <a:schemeClr val="tx1"/>
+                </a:fontRef>
+              </p:style>
+            </p:cxnSp>
+            <p:cxnSp>
+              <p:nvCxnSpPr>
+                <p:cNvPr id="153" name="Straight Arrow Connector 152">
+                  <a:extLst>
+                    <a:ext uri="{FF2B5EF4-FFF2-40B4-BE49-F238E27FC236}">
+                      <a16:creationId xmlns:a16="http://schemas.microsoft.com/office/drawing/2014/main" id="{E35E6E31-64F6-9656-A915-CB3EED7ED981}"/>
+                    </a:ext>
+                  </a:extLst>
+                </p:cNvPr>
+                <p:cNvCxnSpPr>
+                  <a:cxnSpLocks/>
+                  <a:stCxn id="8" idx="1"/>
+                  <a:endCxn id="157" idx="3"/>
+                </p:cNvCxnSpPr>
+                <p:nvPr/>
+              </p:nvCxnSpPr>
+              <p:spPr>
+                <a:xfrm flipH="1">
+                  <a:off x="204284" y="2797301"/>
+                  <a:ext cx="812439" cy="16810"/>
+                </a:xfrm>
+                <a:prstGeom prst="straightConnector1">
+                  <a:avLst/>
+                </a:prstGeom>
+                <a:ln w="76200">
+                  <a:solidFill>
+                    <a:schemeClr val="accent6"/>
+                  </a:solidFill>
+                  <a:tailEnd type="triangle"/>
+                </a:ln>
+              </p:spPr>
+              <p:style>
+                <a:lnRef idx="1">
+                  <a:schemeClr val="dk1"/>
+                </a:lnRef>
+                <a:fillRef idx="0">
+                  <a:schemeClr val="dk1"/>
+                </a:fillRef>
+                <a:effectRef idx="0">
+                  <a:schemeClr val="dk1"/>
+                </a:effectRef>
+                <a:fontRef idx="minor">
+                  <a:schemeClr val="tx1"/>
+                </a:fontRef>
+              </p:style>
+            </p:cxnSp>
+            <p:sp>
+              <p:nvSpPr>
+                <p:cNvPr id="157" name="Flowchart: Terminator 156">
+                  <a:extLst>
+                    <a:ext uri="{FF2B5EF4-FFF2-40B4-BE49-F238E27FC236}">
+                      <a16:creationId xmlns:a16="http://schemas.microsoft.com/office/drawing/2014/main" id="{CFEA9F96-C401-9E10-4685-2FBCDBE71EF8}"/>
+                    </a:ext>
+                  </a:extLst>
+                </p:cNvPr>
+                <p:cNvSpPr/>
+                <p:nvPr/>
+              </p:nvSpPr>
+              <p:spPr>
+                <a:xfrm>
+                  <a:off x="-1490102" y="2539191"/>
+                  <a:ext cx="1694387" cy="549839"/>
+                </a:xfrm>
+                <a:prstGeom prst="flowChartTerminator">
+                  <a:avLst/>
+                </a:prstGeom>
+              </p:spPr>
+              <p:style>
+                <a:lnRef idx="2">
+                  <a:schemeClr val="accent6">
+                    <a:shade val="15000"/>
+                  </a:schemeClr>
+                </a:lnRef>
+                <a:fillRef idx="1">
+                  <a:schemeClr val="accent6"/>
+                </a:fillRef>
+                <a:effectRef idx="0">
+                  <a:schemeClr val="accent6"/>
+                </a:effectRef>
+                <a:fontRef idx="minor">
+                  <a:schemeClr val="lt1"/>
+                </a:fontRef>
+              </p:style>
+              <p:txBody>
+                <a:bodyPr rtlCol="0" anchor="ctr"/>
+                <a:lstStyle/>
+                <a:p>
+                  <a:pPr algn="ctr"/>
+                  <a:r>
+                    <a:rPr lang="en-US" sz="1400" dirty="0"/>
+                    <a:t>Teambuilding</a:t>
+                  </a:r>
+                </a:p>
+              </p:txBody>
+            </p:sp>
+            <p:sp>
+              <p:nvSpPr>
+                <p:cNvPr id="166" name="Flowchart: Terminator 165">
+                  <a:extLst>
+                    <a:ext uri="{FF2B5EF4-FFF2-40B4-BE49-F238E27FC236}">
+                      <a16:creationId xmlns:a16="http://schemas.microsoft.com/office/drawing/2014/main" id="{D1D0018E-BF6F-F530-EAC9-304DCB35A028}"/>
+                    </a:ext>
+                  </a:extLst>
+                </p:cNvPr>
+                <p:cNvSpPr/>
+                <p:nvPr/>
+              </p:nvSpPr>
+              <p:spPr>
+                <a:xfrm>
+                  <a:off x="-1490102" y="1851891"/>
+                  <a:ext cx="1694386" cy="549839"/>
+                </a:xfrm>
+                <a:prstGeom prst="flowChartTerminator">
+                  <a:avLst/>
+                </a:prstGeom>
+              </p:spPr>
+              <p:style>
+                <a:lnRef idx="2">
+                  <a:schemeClr val="accent6">
+                    <a:shade val="15000"/>
+                  </a:schemeClr>
+                </a:lnRef>
+                <a:fillRef idx="1">
+                  <a:schemeClr val="accent6"/>
+                </a:fillRef>
+                <a:effectRef idx="0">
+                  <a:schemeClr val="accent6"/>
+                </a:effectRef>
+                <a:fontRef idx="minor">
+                  <a:schemeClr val="lt1"/>
+                </a:fontRef>
+              </p:style>
+              <p:txBody>
+                <a:bodyPr rtlCol="0" anchor="ctr"/>
+                <a:lstStyle/>
+                <a:p>
+                  <a:pPr algn="ctr"/>
+                  <a:r>
+                    <a:rPr lang="en-US" sz="1400" dirty="0"/>
+                    <a:t>CSR</a:t>
+                  </a:r>
+                </a:p>
+              </p:txBody>
+            </p:sp>
+            <p:sp>
+              <p:nvSpPr>
+                <p:cNvPr id="167" name="Flowchart: Terminator 166">
+                  <a:extLst>
+                    <a:ext uri="{FF2B5EF4-FFF2-40B4-BE49-F238E27FC236}">
+                      <a16:creationId xmlns:a16="http://schemas.microsoft.com/office/drawing/2014/main" id="{4A203F86-79DE-4450-57AA-A01D372234B8}"/>
+                    </a:ext>
+                  </a:extLst>
+                </p:cNvPr>
+                <p:cNvSpPr/>
+                <p:nvPr/>
+              </p:nvSpPr>
+              <p:spPr>
+                <a:xfrm>
+                  <a:off x="-1490102" y="3219712"/>
+                  <a:ext cx="1694386" cy="549839"/>
+                </a:xfrm>
+                <a:prstGeom prst="flowChartTerminator">
+                  <a:avLst/>
+                </a:prstGeom>
+              </p:spPr>
+              <p:style>
+                <a:lnRef idx="2">
+                  <a:schemeClr val="accent6">
+                    <a:shade val="15000"/>
+                  </a:schemeClr>
+                </a:lnRef>
+                <a:fillRef idx="1">
+                  <a:schemeClr val="accent6"/>
+                </a:fillRef>
+                <a:effectRef idx="0">
+                  <a:schemeClr val="accent6"/>
+                </a:effectRef>
+                <a:fontRef idx="minor">
+                  <a:schemeClr val="lt1"/>
+                </a:fontRef>
+              </p:style>
+              <p:txBody>
+                <a:bodyPr rtlCol="0" anchor="ctr"/>
+                <a:lstStyle/>
+                <a:p>
+                  <a:pPr algn="ctr"/>
+                  <a:r>
+                    <a:rPr lang="en-US" sz="1400" dirty="0"/>
+                    <a:t>School trip</a:t>
+                  </a:r>
+                </a:p>
+              </p:txBody>
+            </p:sp>
+          </p:grpSp>
+          <p:cxnSp>
+            <p:nvCxnSpPr>
+              <p:cNvPr id="168" name="Connector: Elbow 167">
+                <a:extLst>
+                  <a:ext uri="{FF2B5EF4-FFF2-40B4-BE49-F238E27FC236}">
+                    <a16:creationId xmlns:a16="http://schemas.microsoft.com/office/drawing/2014/main" id="{94CA8AE4-D364-1965-F60A-3142C25D2DC4}"/>
+                  </a:ext>
+                </a:extLst>
+              </p:cNvPr>
+              <p:cNvCxnSpPr>
+                <a:cxnSpLocks/>
+                <a:stCxn id="8" idx="1"/>
+                <a:endCxn id="167" idx="3"/>
+              </p:cNvCxnSpPr>
+              <p:nvPr/>
+            </p:nvCxnSpPr>
+            <p:spPr>
+              <a:xfrm rot="10800000" flipV="1">
+                <a:off x="1238649" y="3103786"/>
+                <a:ext cx="739908" cy="635118"/>
+              </a:xfrm>
+              <a:prstGeom prst="bentConnector3">
+                <a:avLst>
+                  <a:gd name="adj1" fmla="val 50000"/>
+                </a:avLst>
+              </a:prstGeom>
+              <a:ln w="76200">
+                <a:solidFill>
+                  <a:schemeClr val="accent6"/>
+                </a:solidFill>
+                <a:tailEnd type="triangle"/>
+              </a:ln>
+            </p:spPr>
+            <p:style>
+              <a:lnRef idx="1">
+                <a:schemeClr val="accent1"/>
+              </a:lnRef>
+              <a:fillRef idx="0">
+                <a:schemeClr val="accent1"/>
+              </a:fillRef>
+              <a:effectRef idx="0">
+                <a:schemeClr val="accent1"/>
+              </a:effectRef>
+              <a:fontRef idx="minor">
+                <a:schemeClr val="tx1"/>
+              </a:fontRef>
+            </p:style>
+          </p:cxnSp>
+          <p:cxnSp>
+            <p:nvCxnSpPr>
+              <p:cNvPr id="172" name="Connector: Elbow 171">
+                <a:extLst>
+                  <a:ext uri="{FF2B5EF4-FFF2-40B4-BE49-F238E27FC236}">
+                    <a16:creationId xmlns:a16="http://schemas.microsoft.com/office/drawing/2014/main" id="{85FF174D-D68A-A3C4-525B-5FC6E2AC6094}"/>
+                  </a:ext>
+                </a:extLst>
+              </p:cNvPr>
+              <p:cNvCxnSpPr>
+                <a:cxnSpLocks/>
+                <a:stCxn id="8" idx="1"/>
+                <a:endCxn id="166" idx="3"/>
+              </p:cNvCxnSpPr>
+              <p:nvPr/>
+            </p:nvCxnSpPr>
+            <p:spPr>
+              <a:xfrm rot="10800000">
+                <a:off x="1238649" y="2493116"/>
+                <a:ext cx="739908" cy="610672"/>
+              </a:xfrm>
+              <a:prstGeom prst="bentConnector3">
+                <a:avLst>
+                  <a:gd name="adj1" fmla="val 50000"/>
+                </a:avLst>
+              </a:prstGeom>
+              <a:ln w="76200">
+                <a:solidFill>
+                  <a:schemeClr val="accent6"/>
+                </a:solidFill>
+                <a:tailEnd type="triangle"/>
+              </a:ln>
+            </p:spPr>
+            <p:style>
+              <a:lnRef idx="1">
+                <a:schemeClr val="accent1"/>
+              </a:lnRef>
+              <a:fillRef idx="0">
+                <a:schemeClr val="accent1"/>
+              </a:fillRef>
+              <a:effectRef idx="0">
+                <a:schemeClr val="accent1"/>
+              </a:effectRef>
+              <a:fontRef idx="minor">
+                <a:schemeClr val="tx1"/>
+              </a:fontRef>
+            </p:style>
+          </p:cxnSp>
+          <p:cxnSp>
+            <p:nvCxnSpPr>
+              <p:cNvPr id="182" name="Connector: Elbow 181">
+                <a:extLst>
+                  <a:ext uri="{FF2B5EF4-FFF2-40B4-BE49-F238E27FC236}">
+                    <a16:creationId xmlns:a16="http://schemas.microsoft.com/office/drawing/2014/main" id="{0F3806D6-7B9F-68B3-71EE-64219C049F31}"/>
+                  </a:ext>
+                </a:extLst>
+              </p:cNvPr>
+              <p:cNvCxnSpPr>
+                <a:cxnSpLocks/>
+                <a:stCxn id="2" idx="3"/>
+              </p:cNvCxnSpPr>
+              <p:nvPr/>
+            </p:nvCxnSpPr>
+            <p:spPr>
+              <a:xfrm>
+                <a:off x="4820941" y="2001917"/>
+                <a:ext cx="1281737" cy="2414518"/>
+              </a:xfrm>
+              <a:prstGeom prst="bentConnector2">
+                <a:avLst/>
+              </a:prstGeom>
+              <a:ln w="76200">
+                <a:solidFill>
+                  <a:srgbClr val="FF00FF"/>
+                </a:solidFill>
+                <a:headEnd type="triangle"/>
+                <a:tailEnd type="triangle"/>
+              </a:ln>
+            </p:spPr>
+            <p:style>
+              <a:lnRef idx="1">
+                <a:schemeClr val="accent1"/>
+              </a:lnRef>
+              <a:fillRef idx="0">
+                <a:schemeClr val="accent1"/>
+              </a:fillRef>
+              <a:effectRef idx="0">
+                <a:schemeClr val="accent1"/>
+              </a:effectRef>
+              <a:fontRef idx="minor">
+                <a:schemeClr val="tx1"/>
+              </a:fontRef>
+            </p:style>
+          </p:cxnSp>
+        </p:grpSp>
+        <p:cxnSp>
+          <p:nvCxnSpPr>
+            <p:cNvPr id="215" name="Straight Arrow Connector 214">
+              <a:extLst>
+                <a:ext uri="{FF2B5EF4-FFF2-40B4-BE49-F238E27FC236}">
+                  <a16:creationId xmlns:a16="http://schemas.microsoft.com/office/drawing/2014/main" id="{D220C628-85D7-0726-CF9B-B593358B833B}"/>
+                </a:ext>
+              </a:extLst>
+            </p:cNvPr>
+            <p:cNvCxnSpPr>
+              <a:cxnSpLocks/>
+              <a:stCxn id="75" idx="1"/>
+              <a:endCxn id="25" idx="3"/>
+            </p:cNvCxnSpPr>
+            <p:nvPr/>
+          </p:nvCxnSpPr>
+          <p:spPr>
+            <a:xfrm flipH="1">
+              <a:off x="4257469" y="4534201"/>
+              <a:ext cx="2" cy="584862"/>
+            </a:xfrm>
+            <a:prstGeom prst="straightConnector1">
+              <a:avLst/>
+            </a:prstGeom>
+            <a:ln w="76200">
+              <a:solidFill>
+                <a:srgbClr val="00B050"/>
+              </a:solidFill>
+              <a:tailEnd type="triangle"/>
+            </a:ln>
+          </p:spPr>
+          <p:style>
+            <a:lnRef idx="1">
+              <a:schemeClr val="dk1"/>
+            </a:lnRef>
+            <a:fillRef idx="0">
+              <a:schemeClr val="dk1"/>
+            </a:fillRef>
+            <a:effectRef idx="0">
+              <a:schemeClr val="dk1"/>
+            </a:effectRef>
+            <a:fontRef idx="minor">
               <a:schemeClr val="tx1"/>
-            </a:solidFill>
-            <a:tailEnd type="triangle"/>
-          </a:ln>
-        </p:spPr>
-        <p:style>
-          <a:lnRef idx="1">
-            <a:schemeClr val="dk1"/>
-          </a:lnRef>
-          <a:fillRef idx="0">
-            <a:schemeClr val="dk1"/>
-          </a:fillRef>
-          <a:effectRef idx="0">
-            <a:schemeClr val="dk1"/>
-          </a:effectRef>
-          <a:fontRef idx="minor">
-            <a:schemeClr val="tx1"/>
-          </a:fontRef>
-        </p:style>
-      </p:cxnSp>
-      <p:cxnSp>
-        <p:nvCxnSpPr>
-          <p:cNvPr id="23" name="Straight Arrow Connector 22">
-            <a:extLst>
-              <a:ext uri="{FF2B5EF4-FFF2-40B4-BE49-F238E27FC236}">
-                <a16:creationId xmlns:a16="http://schemas.microsoft.com/office/drawing/2014/main" id="{939FF7A9-4FC7-361A-7ED2-7C893B44F242}"/>
-              </a:ext>
-            </a:extLst>
-          </p:cNvPr>
-          <p:cNvCxnSpPr>
-            <a:cxnSpLocks/>
-            <a:stCxn id="15" idx="2"/>
-            <a:endCxn id="42" idx="7"/>
-          </p:cNvCxnSpPr>
-          <p:nvPr/>
-        </p:nvCxnSpPr>
-        <p:spPr>
-          <a:xfrm>
-            <a:off x="3181379" y="3708646"/>
-            <a:ext cx="0" cy="560707"/>
-          </a:xfrm>
-          <a:prstGeom prst="straightConnector1">
-            <a:avLst/>
-          </a:prstGeom>
-          <a:ln w="76200">
-            <a:solidFill>
+            </a:fontRef>
+          </p:style>
+        </p:cxnSp>
+        <p:cxnSp>
+          <p:nvCxnSpPr>
+            <p:cNvPr id="218" name="Connector: Elbow 217">
+              <a:extLst>
+                <a:ext uri="{FF2B5EF4-FFF2-40B4-BE49-F238E27FC236}">
+                  <a16:creationId xmlns:a16="http://schemas.microsoft.com/office/drawing/2014/main" id="{60CA7AAE-6173-2EA0-3705-1264D1056291}"/>
+                </a:ext>
+              </a:extLst>
+            </p:cNvPr>
+            <p:cNvCxnSpPr>
+              <a:cxnSpLocks/>
+              <a:stCxn id="25" idx="0"/>
+              <a:endCxn id="149" idx="1"/>
+            </p:cNvCxnSpPr>
+            <p:nvPr/>
+          </p:nvCxnSpPr>
+          <p:spPr>
+            <a:xfrm flipV="1">
+              <a:off x="4980968" y="4800146"/>
+              <a:ext cx="1001300" cy="580421"/>
+            </a:xfrm>
+            <a:prstGeom prst="bentConnector3">
+              <a:avLst>
+                <a:gd name="adj1" fmla="val 50000"/>
+              </a:avLst>
+            </a:prstGeom>
+            <a:ln w="76200">
+              <a:solidFill>
+                <a:schemeClr val="accent1">
+                  <a:lumMod val="60000"/>
+                  <a:lumOff val="40000"/>
+                </a:schemeClr>
+              </a:solidFill>
+              <a:tailEnd type="triangle"/>
+            </a:ln>
+          </p:spPr>
+          <p:style>
+            <a:lnRef idx="1">
+              <a:schemeClr val="accent1"/>
+            </a:lnRef>
+            <a:fillRef idx="0">
+              <a:schemeClr val="accent1"/>
+            </a:fillRef>
+            <a:effectRef idx="0">
+              <a:schemeClr val="accent1"/>
+            </a:effectRef>
+            <a:fontRef idx="minor">
               <a:schemeClr val="tx1"/>
-            </a:solidFill>
-            <a:tailEnd type="triangle"/>
-          </a:ln>
-        </p:spPr>
-        <p:style>
-          <a:lnRef idx="1">
-            <a:schemeClr val="dk1"/>
-          </a:lnRef>
-          <a:fillRef idx="0">
-            <a:schemeClr val="dk1"/>
-          </a:fillRef>
-          <a:effectRef idx="0">
-            <a:schemeClr val="dk1"/>
-          </a:effectRef>
-          <a:fontRef idx="minor">
-            <a:schemeClr val="tx1"/>
-          </a:fontRef>
-        </p:style>
-      </p:cxnSp>
-      <p:cxnSp>
-        <p:nvCxnSpPr>
-          <p:cNvPr id="24" name="Straight Arrow Connector 23">
-            <a:extLst>
-              <a:ext uri="{FF2B5EF4-FFF2-40B4-BE49-F238E27FC236}">
-                <a16:creationId xmlns:a16="http://schemas.microsoft.com/office/drawing/2014/main" id="{2927CC1D-F29D-E824-23AD-37633006AD78}"/>
-              </a:ext>
-            </a:extLst>
-          </p:cNvPr>
-          <p:cNvCxnSpPr>
-            <a:cxnSpLocks/>
-            <a:stCxn id="14" idx="2"/>
-            <a:endCxn id="42" idx="1"/>
-          </p:cNvCxnSpPr>
-          <p:nvPr/>
-        </p:nvCxnSpPr>
-        <p:spPr>
-          <a:xfrm>
-            <a:off x="1241643" y="3708646"/>
-            <a:ext cx="0" cy="560707"/>
-          </a:xfrm>
-          <a:prstGeom prst="straightConnector1">
-            <a:avLst/>
-          </a:prstGeom>
-          <a:ln w="76200">
-            <a:solidFill>
+            </a:fontRef>
+          </p:style>
+        </p:cxnSp>
+        <p:sp>
+          <p:nvSpPr>
+            <p:cNvPr id="221" name="TextBox 220">
+              <a:extLst>
+                <a:ext uri="{FF2B5EF4-FFF2-40B4-BE49-F238E27FC236}">
+                  <a16:creationId xmlns:a16="http://schemas.microsoft.com/office/drawing/2014/main" id="{40C7913D-8835-3F75-58D2-1F97E65B94B1}"/>
+                </a:ext>
+              </a:extLst>
+            </p:cNvPr>
+            <p:cNvSpPr txBox="1"/>
+            <p:nvPr/>
+          </p:nvSpPr>
+          <p:spPr>
+            <a:xfrm>
+              <a:off x="5855101" y="2176216"/>
+              <a:ext cx="514657" cy="369332"/>
+            </a:xfrm>
+            <a:prstGeom prst="rect">
+              <a:avLst/>
+            </a:prstGeom>
+            <a:noFill/>
+          </p:spPr>
+          <p:txBody>
+            <a:bodyPr wrap="square" rtlCol="0">
+              <a:spAutoFit/>
+            </a:bodyPr>
+            <a:lstStyle/>
+            <a:p>
+              <a:r>
+                <a:rPr lang="en-US" dirty="0"/>
+                <a:t>API</a:t>
+              </a:r>
+            </a:p>
+          </p:txBody>
+        </p:sp>
+        <p:sp>
+          <p:nvSpPr>
+            <p:cNvPr id="222" name="TextBox 221">
+              <a:extLst>
+                <a:ext uri="{FF2B5EF4-FFF2-40B4-BE49-F238E27FC236}">
+                  <a16:creationId xmlns:a16="http://schemas.microsoft.com/office/drawing/2014/main" id="{F3CCA778-FD00-3DFB-E832-F5AA2C1562C6}"/>
+                </a:ext>
+              </a:extLst>
+            </p:cNvPr>
+            <p:cNvSpPr txBox="1"/>
+            <p:nvPr/>
+          </p:nvSpPr>
+          <p:spPr>
+            <a:xfrm>
+              <a:off x="6864449" y="1649960"/>
+              <a:ext cx="679430" cy="369332"/>
+            </a:xfrm>
+            <a:prstGeom prst="rect">
+              <a:avLst/>
+            </a:prstGeom>
+            <a:noFill/>
+          </p:spPr>
+          <p:txBody>
+            <a:bodyPr wrap="square" rtlCol="0">
+              <a:spAutoFit/>
+            </a:bodyPr>
+            <a:lstStyle/>
+            <a:p>
+              <a:r>
+                <a:rPr lang="en-US" dirty="0"/>
+                <a:t>LINK</a:t>
+              </a:r>
+            </a:p>
+          </p:txBody>
+        </p:sp>
+        <p:sp>
+          <p:nvSpPr>
+            <p:cNvPr id="223" name="TextBox 222">
+              <a:extLst>
+                <a:ext uri="{FF2B5EF4-FFF2-40B4-BE49-F238E27FC236}">
+                  <a16:creationId xmlns:a16="http://schemas.microsoft.com/office/drawing/2014/main" id="{AA69A4A6-DB28-879E-10D6-F8F17F8A0D0B}"/>
+                </a:ext>
+              </a:extLst>
+            </p:cNvPr>
+            <p:cNvSpPr txBox="1"/>
+            <p:nvPr/>
+          </p:nvSpPr>
+          <p:spPr>
+            <a:xfrm>
+              <a:off x="5400564" y="906945"/>
+              <a:ext cx="612512" cy="369332"/>
+            </a:xfrm>
+            <a:prstGeom prst="rect">
+              <a:avLst/>
+            </a:prstGeom>
+            <a:noFill/>
+          </p:spPr>
+          <p:txBody>
+            <a:bodyPr wrap="square" rtlCol="0">
+              <a:spAutoFit/>
+            </a:bodyPr>
+            <a:lstStyle/>
+            <a:p>
+              <a:r>
+                <a:rPr lang="en-US" dirty="0"/>
+                <a:t>LINK</a:t>
+              </a:r>
+            </a:p>
+          </p:txBody>
+        </p:sp>
+        <p:sp>
+          <p:nvSpPr>
+            <p:cNvPr id="224" name="TextBox 223">
+              <a:extLst>
+                <a:ext uri="{FF2B5EF4-FFF2-40B4-BE49-F238E27FC236}">
+                  <a16:creationId xmlns:a16="http://schemas.microsoft.com/office/drawing/2014/main" id="{03C264B4-48BB-A5F7-631C-B6B2F36C019A}"/>
+                </a:ext>
+              </a:extLst>
+            </p:cNvPr>
+            <p:cNvSpPr txBox="1"/>
+            <p:nvPr/>
+          </p:nvSpPr>
+          <p:spPr>
+            <a:xfrm>
+              <a:off x="7750253" y="906945"/>
+              <a:ext cx="612512" cy="369332"/>
+            </a:xfrm>
+            <a:prstGeom prst="rect">
+              <a:avLst/>
+            </a:prstGeom>
+            <a:noFill/>
+          </p:spPr>
+          <p:txBody>
+            <a:bodyPr wrap="square" rtlCol="0">
+              <a:spAutoFit/>
+            </a:bodyPr>
+            <a:lstStyle/>
+            <a:p>
+              <a:r>
+                <a:rPr lang="en-US" dirty="0"/>
+                <a:t>LINK</a:t>
+              </a:r>
+            </a:p>
+          </p:txBody>
+        </p:sp>
+        <p:cxnSp>
+          <p:nvCxnSpPr>
+            <p:cNvPr id="227" name="Connector: Elbow 226">
+              <a:extLst>
+                <a:ext uri="{FF2B5EF4-FFF2-40B4-BE49-F238E27FC236}">
+                  <a16:creationId xmlns:a16="http://schemas.microsoft.com/office/drawing/2014/main" id="{52AB5DD8-3780-7850-CAC6-54C1E2308F43}"/>
+                </a:ext>
+              </a:extLst>
+            </p:cNvPr>
+            <p:cNvCxnSpPr>
+              <a:cxnSpLocks/>
+            </p:cNvCxnSpPr>
+            <p:nvPr/>
+          </p:nvCxnSpPr>
+          <p:spPr>
+            <a:xfrm rot="5400000">
+              <a:off x="7515821" y="3359193"/>
+              <a:ext cx="1204263" cy="1039806"/>
+            </a:xfrm>
+            <a:prstGeom prst="bentConnector3">
+              <a:avLst>
+                <a:gd name="adj1" fmla="val 50000"/>
+              </a:avLst>
+            </a:prstGeom>
+            <a:ln w="76200">
+              <a:solidFill>
+                <a:srgbClr val="FF00FF"/>
+              </a:solidFill>
+              <a:headEnd type="triangle"/>
+              <a:tailEnd type="triangle"/>
+            </a:ln>
+          </p:spPr>
+          <p:style>
+            <a:lnRef idx="1">
+              <a:schemeClr val="accent1"/>
+            </a:lnRef>
+            <a:fillRef idx="0">
+              <a:schemeClr val="accent1"/>
+            </a:fillRef>
+            <a:effectRef idx="0">
+              <a:schemeClr val="accent1"/>
+            </a:effectRef>
+            <a:fontRef idx="minor">
               <a:schemeClr val="tx1"/>
-            </a:solidFill>
-            <a:tailEnd type="triangle"/>
-          </a:ln>
-        </p:spPr>
-        <p:style>
-          <a:lnRef idx="1">
-            <a:schemeClr val="dk1"/>
-          </a:lnRef>
-          <a:fillRef idx="0">
-            <a:schemeClr val="dk1"/>
-          </a:fillRef>
-          <a:effectRef idx="0">
-            <a:schemeClr val="dk1"/>
-          </a:effectRef>
-          <a:fontRef idx="minor">
-            <a:schemeClr val="tx1"/>
-          </a:fontRef>
-        </p:style>
-      </p:cxnSp>
-      <p:sp>
-        <p:nvSpPr>
-          <p:cNvPr id="42" name="Oval 41">
-            <a:extLst>
-              <a:ext uri="{FF2B5EF4-FFF2-40B4-BE49-F238E27FC236}">
-                <a16:creationId xmlns:a16="http://schemas.microsoft.com/office/drawing/2014/main" id="{E6811003-2332-D598-997E-7981DCBE8FA9}"/>
-              </a:ext>
-            </a:extLst>
-          </p:cNvPr>
-          <p:cNvSpPr/>
-          <p:nvPr/>
-        </p:nvSpPr>
-        <p:spPr>
-          <a:xfrm>
-            <a:off x="839911" y="4095269"/>
-            <a:ext cx="2743200" cy="1188720"/>
-          </a:xfrm>
-          <a:prstGeom prst="ellipse">
-            <a:avLst/>
-          </a:prstGeom>
-        </p:spPr>
-        <p:style>
-          <a:lnRef idx="2">
-            <a:schemeClr val="accent2">
-              <a:shade val="15000"/>
-            </a:schemeClr>
-          </a:lnRef>
-          <a:fillRef idx="1">
-            <a:schemeClr val="accent2"/>
-          </a:fillRef>
-          <a:effectRef idx="0">
-            <a:schemeClr val="accent2"/>
-          </a:effectRef>
-          <a:fontRef idx="minor">
-            <a:schemeClr val="lt1"/>
-          </a:fontRef>
-        </p:style>
-        <p:txBody>
-          <a:bodyPr rtlCol="0" anchor="ctr"/>
-          <a:lstStyle/>
-          <a:p>
-            <a:pPr algn="ctr"/>
-            <a:r>
-              <a:rPr lang="en-US" dirty="0"/>
-              <a:t>Host’s Clients</a:t>
-            </a:r>
-            <a:br>
-              <a:rPr lang="en-US" dirty="0"/>
-            </a:br>
-            <a:r>
-              <a:rPr lang="en-US" dirty="0"/>
-              <a:t>(GUESTS)</a:t>
-            </a:r>
-          </a:p>
-        </p:txBody>
-      </p:sp>
-      <p:sp>
-        <p:nvSpPr>
-          <p:cNvPr id="49" name="Oval 48">
-            <a:extLst>
-              <a:ext uri="{FF2B5EF4-FFF2-40B4-BE49-F238E27FC236}">
-                <a16:creationId xmlns:a16="http://schemas.microsoft.com/office/drawing/2014/main" id="{C6AEAD1F-B2CB-08A6-B6BE-F403F0DEA557}"/>
-              </a:ext>
-            </a:extLst>
-          </p:cNvPr>
-          <p:cNvSpPr/>
-          <p:nvPr/>
-        </p:nvSpPr>
-        <p:spPr>
-          <a:xfrm>
-            <a:off x="7641324" y="1771316"/>
-            <a:ext cx="2743200" cy="1188720"/>
-          </a:xfrm>
-          <a:prstGeom prst="ellipse">
-            <a:avLst/>
-          </a:prstGeom>
-        </p:spPr>
-        <p:style>
-          <a:lnRef idx="2">
-            <a:schemeClr val="accent2">
-              <a:shade val="15000"/>
-            </a:schemeClr>
-          </a:lnRef>
-          <a:fillRef idx="1">
-            <a:schemeClr val="accent2"/>
-          </a:fillRef>
-          <a:effectRef idx="0">
-            <a:schemeClr val="accent2"/>
-          </a:effectRef>
-          <a:fontRef idx="minor">
-            <a:schemeClr val="lt1"/>
-          </a:fontRef>
-        </p:style>
-        <p:txBody>
-          <a:bodyPr rtlCol="0" anchor="ctr"/>
-          <a:lstStyle/>
-          <a:p>
-            <a:pPr algn="ctr"/>
-            <a:r>
-              <a:rPr lang="en-US" dirty="0"/>
-              <a:t>Rental Tracking &amp; Management Tool</a:t>
-            </a:r>
-          </a:p>
-        </p:txBody>
-      </p:sp>
-      <p:sp>
-        <p:nvSpPr>
-          <p:cNvPr id="50" name="Rectangle: Diagonal Corners Rounded 49">
-            <a:extLst>
-              <a:ext uri="{FF2B5EF4-FFF2-40B4-BE49-F238E27FC236}">
-                <a16:creationId xmlns:a16="http://schemas.microsoft.com/office/drawing/2014/main" id="{00A9AD97-5311-F482-ABAD-F5CB78CD6794}"/>
-              </a:ext>
-            </a:extLst>
-          </p:cNvPr>
-          <p:cNvSpPr/>
-          <p:nvPr/>
-        </p:nvSpPr>
-        <p:spPr>
-          <a:xfrm>
-            <a:off x="373237" y="410370"/>
-            <a:ext cx="1371600" cy="594803"/>
-          </a:xfrm>
-          <a:prstGeom prst="round2DiagRect">
-            <a:avLst/>
-          </a:prstGeom>
-        </p:spPr>
-        <p:style>
-          <a:lnRef idx="2">
-            <a:schemeClr val="accent6">
-              <a:shade val="15000"/>
-            </a:schemeClr>
-          </a:lnRef>
-          <a:fillRef idx="1">
-            <a:schemeClr val="accent6"/>
-          </a:fillRef>
-          <a:effectRef idx="0">
-            <a:schemeClr val="accent6"/>
-          </a:effectRef>
-          <a:fontRef idx="minor">
-            <a:schemeClr val="lt1"/>
-          </a:fontRef>
-        </p:style>
-        <p:txBody>
-          <a:bodyPr rtlCol="0" anchor="ctr"/>
-          <a:lstStyle/>
-          <a:p>
-            <a:pPr algn="ctr"/>
-            <a:r>
-              <a:rPr lang="en-US" dirty="0"/>
-              <a:t>GUEST</a:t>
-            </a:r>
-          </a:p>
-        </p:txBody>
-      </p:sp>
-      <p:cxnSp>
-        <p:nvCxnSpPr>
-          <p:cNvPr id="51" name="Straight Arrow Connector 50">
-            <a:extLst>
-              <a:ext uri="{FF2B5EF4-FFF2-40B4-BE49-F238E27FC236}">
-                <a16:creationId xmlns:a16="http://schemas.microsoft.com/office/drawing/2014/main" id="{77A2D888-62C2-EB15-3CAC-57AAA4EDFD6D}"/>
-              </a:ext>
-            </a:extLst>
-          </p:cNvPr>
-          <p:cNvCxnSpPr>
-            <a:cxnSpLocks/>
-            <a:stCxn id="50" idx="0"/>
-            <a:endCxn id="2" idx="1"/>
-          </p:cNvCxnSpPr>
-          <p:nvPr/>
-        </p:nvCxnSpPr>
-        <p:spPr>
-          <a:xfrm>
-            <a:off x="1744837" y="707772"/>
-            <a:ext cx="354271" cy="0"/>
-          </a:xfrm>
-          <a:prstGeom prst="straightConnector1">
-            <a:avLst/>
-          </a:prstGeom>
-          <a:ln w="76200">
-            <a:solidFill>
-              <a:srgbClr val="FF0000"/>
-            </a:solidFill>
-            <a:tailEnd type="triangle"/>
-          </a:ln>
-        </p:spPr>
-        <p:style>
-          <a:lnRef idx="1">
-            <a:schemeClr val="dk1"/>
-          </a:lnRef>
-          <a:fillRef idx="0">
-            <a:schemeClr val="dk1"/>
-          </a:fillRef>
-          <a:effectRef idx="0">
-            <a:schemeClr val="dk1"/>
-          </a:effectRef>
-          <a:fontRef idx="minor">
-            <a:schemeClr val="tx1"/>
-          </a:fontRef>
-        </p:style>
-      </p:cxnSp>
-      <p:sp>
-        <p:nvSpPr>
-          <p:cNvPr id="55" name="Rectangle: Diagonal Corners Rounded 54">
-            <a:extLst>
-              <a:ext uri="{FF2B5EF4-FFF2-40B4-BE49-F238E27FC236}">
-                <a16:creationId xmlns:a16="http://schemas.microsoft.com/office/drawing/2014/main" id="{22858B04-5E3C-2C82-1443-57F786E7B70B}"/>
-              </a:ext>
-            </a:extLst>
-          </p:cNvPr>
-          <p:cNvSpPr/>
-          <p:nvPr/>
-        </p:nvSpPr>
-        <p:spPr>
-          <a:xfrm>
-            <a:off x="10538603" y="410370"/>
-            <a:ext cx="1280160" cy="594803"/>
-          </a:xfrm>
-          <a:prstGeom prst="round2DiagRect">
-            <a:avLst/>
-          </a:prstGeom>
-        </p:spPr>
-        <p:style>
-          <a:lnRef idx="2">
-            <a:schemeClr val="accent2">
-              <a:shade val="15000"/>
-            </a:schemeClr>
-          </a:lnRef>
-          <a:fillRef idx="1">
-            <a:schemeClr val="accent2"/>
-          </a:fillRef>
-          <a:effectRef idx="0">
-            <a:schemeClr val="accent2"/>
-          </a:effectRef>
-          <a:fontRef idx="minor">
-            <a:schemeClr val="lt1"/>
-          </a:fontRef>
-        </p:style>
-        <p:txBody>
-          <a:bodyPr rtlCol="0" anchor="ctr"/>
-          <a:lstStyle/>
-          <a:p>
-            <a:pPr algn="ctr"/>
-            <a:r>
-              <a:rPr lang="en-US" dirty="0"/>
-              <a:t>HOST</a:t>
-            </a:r>
-          </a:p>
-        </p:txBody>
-      </p:sp>
-      <p:cxnSp>
-        <p:nvCxnSpPr>
-          <p:cNvPr id="68" name="Straight Arrow Connector 67">
-            <a:extLst>
-              <a:ext uri="{FF2B5EF4-FFF2-40B4-BE49-F238E27FC236}">
-                <a16:creationId xmlns:a16="http://schemas.microsoft.com/office/drawing/2014/main" id="{372B46FA-E7FB-C128-409C-DF81DF69B59B}"/>
-              </a:ext>
-            </a:extLst>
-          </p:cNvPr>
-          <p:cNvCxnSpPr>
-            <a:cxnSpLocks/>
-            <a:stCxn id="55" idx="2"/>
-            <a:endCxn id="5" idx="3"/>
-          </p:cNvCxnSpPr>
-          <p:nvPr/>
-        </p:nvCxnSpPr>
-        <p:spPr>
-          <a:xfrm flipH="1">
-            <a:off x="10204831" y="707772"/>
-            <a:ext cx="333772" cy="1"/>
-          </a:xfrm>
-          <a:prstGeom prst="straightConnector1">
-            <a:avLst/>
-          </a:prstGeom>
-          <a:ln w="76200">
-            <a:solidFill>
-              <a:srgbClr val="FF0000"/>
-            </a:solidFill>
-            <a:tailEnd type="triangle"/>
-          </a:ln>
-        </p:spPr>
-        <p:style>
-          <a:lnRef idx="1">
-            <a:schemeClr val="dk1"/>
-          </a:lnRef>
-          <a:fillRef idx="0">
-            <a:schemeClr val="dk1"/>
-          </a:fillRef>
-          <a:effectRef idx="0">
-            <a:schemeClr val="dk1"/>
-          </a:effectRef>
-          <a:fontRef idx="minor">
-            <a:schemeClr val="tx1"/>
-          </a:fontRef>
-        </p:style>
-      </p:cxnSp>
-      <p:cxnSp>
-        <p:nvCxnSpPr>
-          <p:cNvPr id="146" name="Connector: Elbow 145">
-            <a:extLst>
-              <a:ext uri="{FF2B5EF4-FFF2-40B4-BE49-F238E27FC236}">
-                <a16:creationId xmlns:a16="http://schemas.microsoft.com/office/drawing/2014/main" id="{7B578AA9-FE8D-2F17-962F-E3214879D4E4}"/>
-              </a:ext>
-            </a:extLst>
-          </p:cNvPr>
-          <p:cNvCxnSpPr>
-            <a:cxnSpLocks/>
-            <a:stCxn id="2" idx="2"/>
-            <a:endCxn id="8" idx="0"/>
-          </p:cNvCxnSpPr>
-          <p:nvPr/>
-        </p:nvCxnSpPr>
-        <p:spPr>
-          <a:xfrm rot="5400000">
-            <a:off x="1955633" y="450983"/>
-            <a:ext cx="650511" cy="2078489"/>
-          </a:xfrm>
-          <a:prstGeom prst="bentConnector3">
-            <a:avLst>
-              <a:gd name="adj1" fmla="val 50000"/>
-            </a:avLst>
-          </a:prstGeom>
-          <a:ln w="76200">
-            <a:solidFill>
-              <a:srgbClr val="FF0000"/>
-            </a:solidFill>
-            <a:tailEnd type="triangle"/>
-          </a:ln>
-        </p:spPr>
-        <p:style>
-          <a:lnRef idx="1">
-            <a:schemeClr val="accent1"/>
-          </a:lnRef>
-          <a:fillRef idx="0">
-            <a:schemeClr val="accent1"/>
-          </a:fillRef>
-          <a:effectRef idx="0">
-            <a:schemeClr val="accent1"/>
-          </a:effectRef>
-          <a:fontRef idx="minor">
-            <a:schemeClr val="tx1"/>
-          </a:fontRef>
-        </p:style>
-      </p:cxnSp>
-      <p:sp>
-        <p:nvSpPr>
-          <p:cNvPr id="149" name="Rectangle 148">
-            <a:extLst>
-              <a:ext uri="{FF2B5EF4-FFF2-40B4-BE49-F238E27FC236}">
-                <a16:creationId xmlns:a16="http://schemas.microsoft.com/office/drawing/2014/main" id="{3446A0B0-14D8-39F6-4CEF-7A2FE4C204BF}"/>
-              </a:ext>
-            </a:extLst>
-          </p:cNvPr>
-          <p:cNvSpPr/>
-          <p:nvPr/>
-        </p:nvSpPr>
-        <p:spPr>
-          <a:xfrm>
-            <a:off x="4720849" y="2905217"/>
-            <a:ext cx="2377440" cy="914400"/>
-          </a:xfrm>
-          <a:prstGeom prst="rect">
-            <a:avLst/>
-          </a:prstGeom>
-        </p:spPr>
-        <p:style>
-          <a:lnRef idx="2">
-            <a:schemeClr val="dk1">
-              <a:shade val="15000"/>
-            </a:schemeClr>
-          </a:lnRef>
-          <a:fillRef idx="1">
-            <a:schemeClr val="dk1"/>
-          </a:fillRef>
-          <a:effectRef idx="0">
-            <a:schemeClr val="dk1"/>
-          </a:effectRef>
-          <a:fontRef idx="minor">
-            <a:schemeClr val="lt1"/>
-          </a:fontRef>
-        </p:style>
-        <p:txBody>
-          <a:bodyPr rtlCol="0" anchor="ctr"/>
-          <a:lstStyle/>
-          <a:p>
-            <a:pPr algn="ctr"/>
-            <a:r>
-              <a:rPr lang="en-US" dirty="0" err="1"/>
-              <a:t>YourCabin</a:t>
-            </a:r>
-            <a:r>
-              <a:rPr lang="en-US" dirty="0"/>
-              <a:t> (Cabin Finder)</a:t>
-            </a:r>
-            <a:br>
-              <a:rPr lang="en-US" dirty="0"/>
-            </a:br>
-            <a:r>
-              <a:rPr lang="en-US" dirty="0"/>
-              <a:t>Mobile first &amp; Web App</a:t>
-            </a:r>
-          </a:p>
-        </p:txBody>
-      </p:sp>
-      <p:cxnSp>
-        <p:nvCxnSpPr>
-          <p:cNvPr id="151" name="Straight Arrow Connector 150">
-            <a:extLst>
-              <a:ext uri="{FF2B5EF4-FFF2-40B4-BE49-F238E27FC236}">
-                <a16:creationId xmlns:a16="http://schemas.microsoft.com/office/drawing/2014/main" id="{E1E0EC7F-C4A5-920F-E5B4-12E7757B2A26}"/>
-              </a:ext>
-            </a:extLst>
-          </p:cNvPr>
-          <p:cNvCxnSpPr>
-            <a:cxnSpLocks/>
-            <a:stCxn id="5" idx="2"/>
-            <a:endCxn id="49" idx="0"/>
-          </p:cNvCxnSpPr>
-          <p:nvPr/>
-        </p:nvCxnSpPr>
-        <p:spPr>
-          <a:xfrm flipH="1">
-            <a:off x="9012924" y="1164973"/>
-            <a:ext cx="3187" cy="606343"/>
-          </a:xfrm>
-          <a:prstGeom prst="straightConnector1">
-            <a:avLst/>
-          </a:prstGeom>
-          <a:ln w="76200">
-            <a:solidFill>
-              <a:srgbClr val="FF0000"/>
-            </a:solidFill>
-            <a:tailEnd type="triangle"/>
-          </a:ln>
-        </p:spPr>
-        <p:style>
-          <a:lnRef idx="1">
-            <a:schemeClr val="dk1"/>
-          </a:lnRef>
-          <a:fillRef idx="0">
-            <a:schemeClr val="dk1"/>
-          </a:fillRef>
-          <a:effectRef idx="0">
-            <a:schemeClr val="dk1"/>
-          </a:effectRef>
-          <a:fontRef idx="minor">
-            <a:schemeClr val="tx1"/>
-          </a:fontRef>
-        </p:style>
-      </p:cxnSp>
-      <p:cxnSp>
-        <p:nvCxnSpPr>
-          <p:cNvPr id="171" name="Connector: Elbow 170">
-            <a:extLst>
-              <a:ext uri="{FF2B5EF4-FFF2-40B4-BE49-F238E27FC236}">
-                <a16:creationId xmlns:a16="http://schemas.microsoft.com/office/drawing/2014/main" id="{2978C0E2-CA85-6A48-F770-930412930C87}"/>
-              </a:ext>
-            </a:extLst>
-          </p:cNvPr>
-          <p:cNvCxnSpPr>
-            <a:cxnSpLocks/>
-            <a:stCxn id="149" idx="0"/>
-            <a:endCxn id="2" idx="3"/>
-          </p:cNvCxnSpPr>
-          <p:nvPr/>
-        </p:nvCxnSpPr>
-        <p:spPr>
-          <a:xfrm rot="16200000" flipV="1">
-            <a:off x="4126640" y="1122288"/>
-            <a:ext cx="2197445" cy="1368414"/>
-          </a:xfrm>
-          <a:prstGeom prst="bentConnector2">
-            <a:avLst/>
-          </a:prstGeom>
-          <a:ln w="76200">
-            <a:solidFill>
-              <a:srgbClr val="FF0000"/>
-            </a:solidFill>
-            <a:tailEnd type="triangle"/>
-          </a:ln>
-        </p:spPr>
-        <p:style>
-          <a:lnRef idx="1">
-            <a:schemeClr val="accent1"/>
-          </a:lnRef>
-          <a:fillRef idx="0">
-            <a:schemeClr val="accent1"/>
-          </a:fillRef>
-          <a:effectRef idx="0">
-            <a:schemeClr val="accent1"/>
-          </a:effectRef>
-          <a:fontRef idx="minor">
-            <a:schemeClr val="tx1"/>
-          </a:fontRef>
-        </p:style>
-      </p:cxnSp>
-      <p:cxnSp>
-        <p:nvCxnSpPr>
-          <p:cNvPr id="174" name="Connector: Elbow 173">
-            <a:extLst>
-              <a:ext uri="{FF2B5EF4-FFF2-40B4-BE49-F238E27FC236}">
-                <a16:creationId xmlns:a16="http://schemas.microsoft.com/office/drawing/2014/main" id="{566A49B4-DC1E-4487-5DF5-4D56428FB206}"/>
-              </a:ext>
-            </a:extLst>
-          </p:cNvPr>
-          <p:cNvCxnSpPr>
-            <a:cxnSpLocks/>
-            <a:stCxn id="42" idx="4"/>
-            <a:endCxn id="149" idx="2"/>
-          </p:cNvCxnSpPr>
-          <p:nvPr/>
-        </p:nvCxnSpPr>
-        <p:spPr>
-          <a:xfrm rot="5400000" flipH="1" flipV="1">
-            <a:off x="3328354" y="2702774"/>
-            <a:ext cx="1464372" cy="3698058"/>
-          </a:xfrm>
-          <a:prstGeom prst="bentConnector3">
-            <a:avLst>
-              <a:gd name="adj1" fmla="val -15611"/>
-            </a:avLst>
-          </a:prstGeom>
-          <a:ln w="76200">
-            <a:solidFill>
-              <a:srgbClr val="FF0000"/>
-            </a:solidFill>
-            <a:tailEnd type="triangle"/>
-          </a:ln>
-        </p:spPr>
-        <p:style>
-          <a:lnRef idx="1">
-            <a:schemeClr val="accent1"/>
-          </a:lnRef>
-          <a:fillRef idx="0">
-            <a:schemeClr val="accent1"/>
-          </a:fillRef>
-          <a:effectRef idx="0">
-            <a:schemeClr val="accent1"/>
-          </a:effectRef>
-          <a:fontRef idx="minor">
-            <a:schemeClr val="tx1"/>
-          </a:fontRef>
-        </p:style>
-      </p:cxnSp>
-      <p:cxnSp>
-        <p:nvCxnSpPr>
-          <p:cNvPr id="178" name="Connector: Elbow 177">
-            <a:extLst>
-              <a:ext uri="{FF2B5EF4-FFF2-40B4-BE49-F238E27FC236}">
-                <a16:creationId xmlns:a16="http://schemas.microsoft.com/office/drawing/2014/main" id="{21A10575-2307-B935-7611-679C84A5B1E6}"/>
-              </a:ext>
-            </a:extLst>
-          </p:cNvPr>
-          <p:cNvCxnSpPr>
-            <a:cxnSpLocks/>
-            <a:stCxn id="149" idx="3"/>
-            <a:endCxn id="5" idx="1"/>
-          </p:cNvCxnSpPr>
-          <p:nvPr/>
-        </p:nvCxnSpPr>
-        <p:spPr>
-          <a:xfrm flipV="1">
-            <a:off x="7098289" y="707773"/>
-            <a:ext cx="729102" cy="2654644"/>
-          </a:xfrm>
-          <a:prstGeom prst="bentConnector3">
-            <a:avLst>
-              <a:gd name="adj1" fmla="val 50000"/>
-            </a:avLst>
-          </a:prstGeom>
-          <a:ln w="76200">
-            <a:solidFill>
-              <a:srgbClr val="FF0000"/>
-            </a:solidFill>
-            <a:tailEnd type="triangle"/>
-          </a:ln>
-        </p:spPr>
-        <p:style>
-          <a:lnRef idx="1">
-            <a:schemeClr val="accent1"/>
-          </a:lnRef>
-          <a:fillRef idx="0">
-            <a:schemeClr val="accent1"/>
-          </a:fillRef>
-          <a:effectRef idx="0">
-            <a:schemeClr val="accent1"/>
-          </a:effectRef>
-          <a:fontRef idx="minor">
-            <a:schemeClr val="tx1"/>
-          </a:fontRef>
-        </p:style>
-      </p:cxnSp>
-      <p:cxnSp>
-        <p:nvCxnSpPr>
-          <p:cNvPr id="27" name="Straight Arrow Connector 26">
-            <a:extLst>
-              <a:ext uri="{FF2B5EF4-FFF2-40B4-BE49-F238E27FC236}">
-                <a16:creationId xmlns:a16="http://schemas.microsoft.com/office/drawing/2014/main" id="{297FB9F3-1456-FDF6-DA34-8E10D6F9E63E}"/>
-              </a:ext>
-            </a:extLst>
-          </p:cNvPr>
-          <p:cNvCxnSpPr>
-            <a:cxnSpLocks/>
-            <a:stCxn id="149" idx="1"/>
-            <a:endCxn id="15" idx="3"/>
-          </p:cNvCxnSpPr>
-          <p:nvPr/>
-        </p:nvCxnSpPr>
-        <p:spPr>
-          <a:xfrm flipH="1">
-            <a:off x="4029197" y="3362417"/>
-            <a:ext cx="691652" cy="0"/>
-          </a:xfrm>
-          <a:prstGeom prst="straightConnector1">
-            <a:avLst/>
-          </a:prstGeom>
-          <a:ln w="76200">
-            <a:solidFill>
-              <a:srgbClr val="FF0000"/>
-            </a:solidFill>
-            <a:tailEnd type="triangle"/>
-          </a:ln>
-        </p:spPr>
-        <p:style>
-          <a:lnRef idx="1">
-            <a:schemeClr val="dk1"/>
-          </a:lnRef>
-          <a:fillRef idx="0">
-            <a:schemeClr val="dk1"/>
-          </a:fillRef>
-          <a:effectRef idx="0">
-            <a:schemeClr val="dk1"/>
-          </a:effectRef>
-          <a:fontRef idx="minor">
-            <a:schemeClr val="tx1"/>
-          </a:fontRef>
-        </p:style>
-      </p:cxnSp>
+            </a:fontRef>
+          </p:style>
+        </p:cxnSp>
+        <p:sp>
+          <p:nvSpPr>
+            <p:cNvPr id="242" name="TextBox 241">
+              <a:extLst>
+                <a:ext uri="{FF2B5EF4-FFF2-40B4-BE49-F238E27FC236}">
+                  <a16:creationId xmlns:a16="http://schemas.microsoft.com/office/drawing/2014/main" id="{DE1BF6D4-438C-E2CB-DB77-6D203C2E13AD}"/>
+                </a:ext>
+              </a:extLst>
+            </p:cNvPr>
+            <p:cNvSpPr txBox="1"/>
+            <p:nvPr/>
+          </p:nvSpPr>
+          <p:spPr>
+            <a:xfrm>
+              <a:off x="7970117" y="3541869"/>
+              <a:ext cx="514657" cy="369332"/>
+            </a:xfrm>
+            <a:prstGeom prst="rect">
+              <a:avLst/>
+            </a:prstGeom>
+            <a:noFill/>
+          </p:spPr>
+          <p:txBody>
+            <a:bodyPr wrap="square" rtlCol="0">
+              <a:spAutoFit/>
+            </a:bodyPr>
+            <a:lstStyle/>
+            <a:p>
+              <a:r>
+                <a:rPr lang="en-US" dirty="0"/>
+                <a:t>API</a:t>
+              </a:r>
+            </a:p>
+          </p:txBody>
+        </p:sp>
+        <p:cxnSp>
+          <p:nvCxnSpPr>
+            <p:cNvPr id="244" name="Straight Arrow Connector 243">
+              <a:extLst>
+                <a:ext uri="{FF2B5EF4-FFF2-40B4-BE49-F238E27FC236}">
+                  <a16:creationId xmlns:a16="http://schemas.microsoft.com/office/drawing/2014/main" id="{6A7AF119-C144-7491-F06A-798B92A68721}"/>
+                </a:ext>
+              </a:extLst>
+            </p:cNvPr>
+            <p:cNvCxnSpPr>
+              <a:cxnSpLocks/>
+              <a:stCxn id="90" idx="2"/>
+              <a:endCxn id="149" idx="0"/>
+            </p:cNvCxnSpPr>
+            <p:nvPr/>
+          </p:nvCxnSpPr>
+          <p:spPr>
+            <a:xfrm flipH="1">
+              <a:off x="6842873" y="1569989"/>
+              <a:ext cx="23388" cy="2911239"/>
+            </a:xfrm>
+            <a:prstGeom prst="straightConnector1">
+              <a:avLst/>
+            </a:prstGeom>
+            <a:ln w="76200">
+              <a:solidFill>
+                <a:srgbClr val="7030A0"/>
+              </a:solidFill>
+              <a:tailEnd type="triangle"/>
+            </a:ln>
+          </p:spPr>
+          <p:style>
+            <a:lnRef idx="1">
+              <a:schemeClr val="dk1"/>
+            </a:lnRef>
+            <a:fillRef idx="0">
+              <a:schemeClr val="dk1"/>
+            </a:fillRef>
+            <a:effectRef idx="0">
+              <a:schemeClr val="dk1"/>
+            </a:effectRef>
+            <a:fontRef idx="minor">
+              <a:schemeClr val="tx1"/>
+            </a:fontRef>
+          </p:style>
+        </p:cxnSp>
+        <p:sp>
+          <p:nvSpPr>
+            <p:cNvPr id="247" name="TextBox 246">
+              <a:extLst>
+                <a:ext uri="{FF2B5EF4-FFF2-40B4-BE49-F238E27FC236}">
+                  <a16:creationId xmlns:a16="http://schemas.microsoft.com/office/drawing/2014/main" id="{40F8BB5D-DC34-AF82-B6A3-E346A4A077E8}"/>
+                </a:ext>
+              </a:extLst>
+            </p:cNvPr>
+            <p:cNvSpPr txBox="1"/>
+            <p:nvPr/>
+          </p:nvSpPr>
+          <p:spPr>
+            <a:xfrm>
+              <a:off x="4941008" y="5380565"/>
+              <a:ext cx="763457" cy="369332"/>
+            </a:xfrm>
+            <a:prstGeom prst="rect">
+              <a:avLst/>
+            </a:prstGeom>
+            <a:noFill/>
+          </p:spPr>
+          <p:txBody>
+            <a:bodyPr wrap="square" rtlCol="0">
+              <a:spAutoFit/>
+            </a:bodyPr>
+            <a:lstStyle/>
+            <a:p>
+              <a:r>
+                <a:rPr lang="en-US" dirty="0"/>
+                <a:t>AUTH</a:t>
+              </a:r>
+            </a:p>
+          </p:txBody>
+        </p:sp>
+        <p:sp>
+          <p:nvSpPr>
+            <p:cNvPr id="248" name="TextBox 247">
+              <a:extLst>
+                <a:ext uri="{FF2B5EF4-FFF2-40B4-BE49-F238E27FC236}">
+                  <a16:creationId xmlns:a16="http://schemas.microsoft.com/office/drawing/2014/main" id="{E571AA51-2061-A067-4689-02E8977FC896}"/>
+                </a:ext>
+              </a:extLst>
+            </p:cNvPr>
+            <p:cNvSpPr txBox="1"/>
+            <p:nvPr/>
+          </p:nvSpPr>
+          <p:spPr>
+            <a:xfrm>
+              <a:off x="4283451" y="2649225"/>
+              <a:ext cx="763457" cy="369332"/>
+            </a:xfrm>
+            <a:prstGeom prst="rect">
+              <a:avLst/>
+            </a:prstGeom>
+            <a:noFill/>
+          </p:spPr>
+          <p:txBody>
+            <a:bodyPr wrap="square" rtlCol="0">
+              <a:spAutoFit/>
+            </a:bodyPr>
+            <a:lstStyle/>
+            <a:p>
+              <a:r>
+                <a:rPr lang="en-US" dirty="0"/>
+                <a:t>AUTH</a:t>
+              </a:r>
+            </a:p>
+          </p:txBody>
+        </p:sp>
+        <p:sp>
+          <p:nvSpPr>
+            <p:cNvPr id="249" name="TextBox 248">
+              <a:extLst>
+                <a:ext uri="{FF2B5EF4-FFF2-40B4-BE49-F238E27FC236}">
+                  <a16:creationId xmlns:a16="http://schemas.microsoft.com/office/drawing/2014/main" id="{EC8E642C-19DB-8054-6000-52B2FDEC4A78}"/>
+                </a:ext>
+              </a:extLst>
+            </p:cNvPr>
+            <p:cNvSpPr txBox="1"/>
+            <p:nvPr/>
+          </p:nvSpPr>
+          <p:spPr>
+            <a:xfrm>
+              <a:off x="10431513" y="2545548"/>
+              <a:ext cx="763457" cy="369332"/>
+            </a:xfrm>
+            <a:prstGeom prst="rect">
+              <a:avLst/>
+            </a:prstGeom>
+            <a:noFill/>
+          </p:spPr>
+          <p:txBody>
+            <a:bodyPr wrap="square" rtlCol="0">
+              <a:spAutoFit/>
+            </a:bodyPr>
+            <a:lstStyle/>
+            <a:p>
+              <a:r>
+                <a:rPr lang="en-US" dirty="0"/>
+                <a:t>AUTH</a:t>
+              </a:r>
+            </a:p>
+          </p:txBody>
+        </p:sp>
+      </p:grpSp>
     </p:spTree>
     <p:extLst>
       <p:ext uri="{BB962C8B-B14F-4D97-AF65-F5344CB8AC3E}">
